--- a/docs/BlockLang-Release.pptx
+++ b/docs/BlockLang-Release.pptx
@@ -1,15 +1,16 @@
 
 <file path=ppt/presentation.xml><?xml version="1.0" encoding="utf-8"?>
-<p:presentation xmlns:a="http://schemas.openxmlformats.org/drawingml/2006/main" xmlns:r="http://schemas.openxmlformats.org/officeDocument/2006/relationships" xmlns:p="http://schemas.openxmlformats.org/presentationml/2006/main" saveSubsetFonts="1">
+<p:presentation xmlns:a="http://schemas.openxmlformats.org/drawingml/2006/main" xmlns:r="http://schemas.openxmlformats.org/officeDocument/2006/relationships" xmlns:p="http://schemas.openxmlformats.org/presentationml/2006/main">
   <p:sldMasterIdLst>
     <p:sldMasterId id="2147483648" r:id="rId1"/>
   </p:sldMasterIdLst>
   <p:notesMasterIdLst>
-    <p:notesMasterId r:id="rId4"/>
+    <p:notesMasterId r:id="rId5"/>
   </p:notesMasterIdLst>
   <p:sldIdLst>
-    <p:sldId id="256" r:id="rId2"/>
-    <p:sldId id="257" r:id="rId3"/>
+    <p:sldId id="256" r:id="rId3"/>
+    <p:sldId id="257" r:id="rId4"/>
+    <p:sldId id="258" r:id="rId6"/>
   </p:sldIdLst>
   <p:sldSz cx="12192000" cy="6858000"/>
   <p:notesSz cx="6858000" cy="9144000"/>
@@ -108,22 +109,6 @@
       </a:defRPr>
     </a:lvl9pPr>
   </p:defaultTextStyle>
-  <p:extLst>
-    <p:ext uri="{EFAFB233-063F-42B5-8137-9DF3F51BA10A}">
-      <p15:sldGuideLst xmlns:p15="http://schemas.microsoft.com/office/powerpoint/2012/main">
-        <p15:guide id="1" orient="horz" pos="2160" userDrawn="1">
-          <p15:clr>
-            <a:srgbClr val="A4A3A4"/>
-          </p15:clr>
-        </p15:guide>
-        <p15:guide id="2" pos="3840" userDrawn="1">
-          <p15:clr>
-            <a:srgbClr val="A4A3A4"/>
-          </p15:clr>
-        </p15:guide>
-      </p15:sldGuideLst>
-    </p:ext>
-  </p:extLst>
 </p:presentation>
 </file>
 
@@ -209,7 +194,6 @@
           <a:p>
             <a:fld id="{BF871329-A2A2-46C1-A621-7501041924CE}" type="datetimeFigureOut">
               <a:rPr lang="zh-CN" altLang="en-US" smtClean="0"/>
-              <a:t>2019/1/5</a:t>
             </a:fld>
             <a:endParaRPr lang="zh-CN" altLang="en-US"/>
           </a:p>
@@ -276,6 +260,7 @@
               <a:rPr lang="zh-CN" altLang="en-US" smtClean="0"/>
               <a:t>单击此处编辑母版文本样式</a:t>
             </a:r>
+            <a:endParaRPr lang="zh-CN" altLang="en-US" smtClean="0"/>
           </a:p>
           <a:p>
             <a:pPr lvl="1"/>
@@ -283,6 +268,7 @@
               <a:rPr lang="zh-CN" altLang="en-US" smtClean="0"/>
               <a:t>第二级</a:t>
             </a:r>
+            <a:endParaRPr lang="zh-CN" altLang="en-US" smtClean="0"/>
           </a:p>
           <a:p>
             <a:pPr lvl="2"/>
@@ -290,6 +276,7 @@
               <a:rPr lang="zh-CN" altLang="en-US" smtClean="0"/>
               <a:t>第三级</a:t>
             </a:r>
+            <a:endParaRPr lang="zh-CN" altLang="en-US" smtClean="0"/>
           </a:p>
           <a:p>
             <a:pPr lvl="3"/>
@@ -297,6 +284,7 @@
               <a:rPr lang="zh-CN" altLang="en-US" smtClean="0"/>
               <a:t>第四级</a:t>
             </a:r>
+            <a:endParaRPr lang="zh-CN" altLang="en-US" smtClean="0"/>
           </a:p>
           <a:p>
             <a:pPr lvl="4"/>
@@ -368,18 +356,12 @@
           <a:p>
             <a:fld id="{DFABD8BB-C302-47D9-AAB9-DBC434ADBAC2}" type="slidenum">
               <a:rPr lang="zh-CN" altLang="en-US" smtClean="0"/>
-              <a:t>‹#›</a:t>
             </a:fld>
             <a:endParaRPr lang="zh-CN" altLang="en-US"/>
           </a:p>
         </p:txBody>
       </p:sp>
     </p:spTree>
-    <p:extLst>
-      <p:ext uri="{BB962C8B-B14F-4D97-AF65-F5344CB8AC3E}">
-        <p14:creationId xmlns:p14="http://schemas.microsoft.com/office/powerpoint/2010/main" val="2124581349"/>
-      </p:ext>
-    </p:extLst>
   </p:cSld>
   <p:clrMap bg1="lt1" tx1="dk1" bg2="lt2" tx2="dk2" accent1="accent1" accent2="accent2" accent3="accent3" accent4="accent4" accent5="accent5" accent6="accent6" hlink="hlink" folHlink="folHlink"/>
   <p:notesStyle>
@@ -540,6 +522,7 @@
               <a:rPr lang="en-US" altLang="zh-CN" dirty="0" smtClean="0"/>
               <a:t>=9090</a:t>
             </a:r>
+            <a:endParaRPr lang="en-US" altLang="zh-CN" dirty="0" smtClean="0"/>
           </a:p>
           <a:p>
             <a:endParaRPr lang="en-US" altLang="zh-CN" dirty="0" smtClean="0"/>
@@ -684,6 +667,7 @@
               <a:rPr lang="en-US" altLang="zh-CN" dirty="0" smtClean="0"/>
               <a:t>https://gitlab.com/gitlab-org/gitlab-runner/tree/master/docs/register</a:t>
             </a:r>
+            <a:endParaRPr lang="en-US" altLang="zh-CN" dirty="0" smtClean="0"/>
           </a:p>
           <a:p>
             <a:endParaRPr lang="en-US" altLang="zh-CN" dirty="0" smtClean="0"/>
@@ -715,6 +699,7 @@
               <a:rPr lang="en-US" altLang="zh-CN" dirty="0" smtClean="0"/>
               <a:t>token</a:t>
             </a:r>
+            <a:endParaRPr lang="en-US" altLang="zh-CN" dirty="0" smtClean="0"/>
           </a:p>
           <a:p>
             <a:endParaRPr lang="en-US" altLang="zh-CN" dirty="0" smtClean="0"/>
@@ -845,6 +830,7 @@
               <a:rPr lang="en-US" altLang="zh-CN" dirty="0" smtClean="0"/>
               <a:t>https://gitlab.com/gitlab-org/gitlab-runner/blob/master/docs/commands/README.md</a:t>
             </a:r>
+            <a:endParaRPr lang="en-US" altLang="zh-CN" dirty="0" smtClean="0"/>
           </a:p>
           <a:p>
             <a:endParaRPr lang="en-US" altLang="zh-CN" dirty="0" smtClean="0"/>
@@ -861,6 +847,7 @@
               <a:rPr lang="en-US" altLang="zh-CN" dirty="0" smtClean="0"/>
               <a:t>token</a:t>
             </a:r>
+            <a:endParaRPr lang="en-US" altLang="zh-CN" dirty="0" smtClean="0"/>
           </a:p>
           <a:p>
             <a:r>
@@ -908,18 +895,12 @@
           <a:p>
             <a:fld id="{DFABD8BB-C302-47D9-AAB9-DBC434ADBAC2}" type="slidenum">
               <a:rPr lang="zh-CN" altLang="en-US" smtClean="0"/>
-              <a:t>2</a:t>
             </a:fld>
             <a:endParaRPr lang="zh-CN" altLang="en-US"/>
           </a:p>
         </p:txBody>
       </p:sp>
     </p:spTree>
-    <p:extLst>
-      <p:ext uri="{BB962C8B-B14F-4D97-AF65-F5344CB8AC3E}">
-        <p14:creationId xmlns:p14="http://schemas.microsoft.com/office/powerpoint/2010/main" val="1387657387"/>
-      </p:ext>
-    </p:extLst>
   </p:cSld>
   <p:clrMapOvr>
     <a:masterClrMapping/>
@@ -1058,7 +1039,6 @@
           <a:p>
             <a:fld id="{DEA16D72-AA99-47C9-AF48-D51A5BF5A52B}" type="datetimeFigureOut">
               <a:rPr lang="zh-CN" altLang="en-US" smtClean="0"/>
-              <a:t>2019/1/5</a:t>
             </a:fld>
             <a:endParaRPr lang="zh-CN" altLang="en-US"/>
           </a:p>
@@ -1100,18 +1080,12 @@
           <a:p>
             <a:fld id="{3A3AB220-2023-4D1F-8F8C-60E89C571F67}" type="slidenum">
               <a:rPr lang="zh-CN" altLang="en-US" smtClean="0"/>
-              <a:t>‹#›</a:t>
             </a:fld>
             <a:endParaRPr lang="zh-CN" altLang="en-US"/>
           </a:p>
         </p:txBody>
       </p:sp>
     </p:spTree>
-    <p:extLst>
-      <p:ext uri="{BB962C8B-B14F-4D97-AF65-F5344CB8AC3E}">
-        <p14:creationId xmlns:p14="http://schemas.microsoft.com/office/powerpoint/2010/main" val="1798176602"/>
-      </p:ext>
-    </p:extLst>
   </p:cSld>
   <p:clrMapOvr>
     <a:masterClrMapping/>
@@ -1179,6 +1153,7 @@
               <a:rPr lang="zh-CN" altLang="en-US" smtClean="0"/>
               <a:t>单击此处编辑母版文本样式</a:t>
             </a:r>
+            <a:endParaRPr lang="zh-CN" altLang="en-US" smtClean="0"/>
           </a:p>
           <a:p>
             <a:pPr lvl="1"/>
@@ -1186,6 +1161,7 @@
               <a:rPr lang="zh-CN" altLang="en-US" smtClean="0"/>
               <a:t>第二级</a:t>
             </a:r>
+            <a:endParaRPr lang="zh-CN" altLang="en-US" smtClean="0"/>
           </a:p>
           <a:p>
             <a:pPr lvl="2"/>
@@ -1193,6 +1169,7 @@
               <a:rPr lang="zh-CN" altLang="en-US" smtClean="0"/>
               <a:t>第三级</a:t>
             </a:r>
+            <a:endParaRPr lang="zh-CN" altLang="en-US" smtClean="0"/>
           </a:p>
           <a:p>
             <a:pPr lvl="3"/>
@@ -1200,6 +1177,7 @@
               <a:rPr lang="zh-CN" altLang="en-US" smtClean="0"/>
               <a:t>第四级</a:t>
             </a:r>
+            <a:endParaRPr lang="zh-CN" altLang="en-US" smtClean="0"/>
           </a:p>
           <a:p>
             <a:pPr lvl="4"/>
@@ -1228,7 +1206,6 @@
           <a:p>
             <a:fld id="{DEA16D72-AA99-47C9-AF48-D51A5BF5A52B}" type="datetimeFigureOut">
               <a:rPr lang="zh-CN" altLang="en-US" smtClean="0"/>
-              <a:t>2019/1/5</a:t>
             </a:fld>
             <a:endParaRPr lang="zh-CN" altLang="en-US"/>
           </a:p>
@@ -1270,18 +1247,12 @@
           <a:p>
             <a:fld id="{3A3AB220-2023-4D1F-8F8C-60E89C571F67}" type="slidenum">
               <a:rPr lang="zh-CN" altLang="en-US" smtClean="0"/>
-              <a:t>‹#›</a:t>
             </a:fld>
             <a:endParaRPr lang="zh-CN" altLang="en-US"/>
           </a:p>
         </p:txBody>
       </p:sp>
     </p:spTree>
-    <p:extLst>
-      <p:ext uri="{BB962C8B-B14F-4D97-AF65-F5344CB8AC3E}">
-        <p14:creationId xmlns:p14="http://schemas.microsoft.com/office/powerpoint/2010/main" val="1587511154"/>
-      </p:ext>
-    </p:extLst>
   </p:cSld>
   <p:clrMapOvr>
     <a:masterClrMapping/>
@@ -1359,6 +1330,7 @@
               <a:rPr lang="zh-CN" altLang="en-US" smtClean="0"/>
               <a:t>单击此处编辑母版文本样式</a:t>
             </a:r>
+            <a:endParaRPr lang="zh-CN" altLang="en-US" smtClean="0"/>
           </a:p>
           <a:p>
             <a:pPr lvl="1"/>
@@ -1366,6 +1338,7 @@
               <a:rPr lang="zh-CN" altLang="en-US" smtClean="0"/>
               <a:t>第二级</a:t>
             </a:r>
+            <a:endParaRPr lang="zh-CN" altLang="en-US" smtClean="0"/>
           </a:p>
           <a:p>
             <a:pPr lvl="2"/>
@@ -1373,6 +1346,7 @@
               <a:rPr lang="zh-CN" altLang="en-US" smtClean="0"/>
               <a:t>第三级</a:t>
             </a:r>
+            <a:endParaRPr lang="zh-CN" altLang="en-US" smtClean="0"/>
           </a:p>
           <a:p>
             <a:pPr lvl="3"/>
@@ -1380,6 +1354,7 @@
               <a:rPr lang="zh-CN" altLang="en-US" smtClean="0"/>
               <a:t>第四级</a:t>
             </a:r>
+            <a:endParaRPr lang="zh-CN" altLang="en-US" smtClean="0"/>
           </a:p>
           <a:p>
             <a:pPr lvl="4"/>
@@ -1408,7 +1383,6 @@
           <a:p>
             <a:fld id="{DEA16D72-AA99-47C9-AF48-D51A5BF5A52B}" type="datetimeFigureOut">
               <a:rPr lang="zh-CN" altLang="en-US" smtClean="0"/>
-              <a:t>2019/1/5</a:t>
             </a:fld>
             <a:endParaRPr lang="zh-CN" altLang="en-US"/>
           </a:p>
@@ -1450,18 +1424,12 @@
           <a:p>
             <a:fld id="{3A3AB220-2023-4D1F-8F8C-60E89C571F67}" type="slidenum">
               <a:rPr lang="zh-CN" altLang="en-US" smtClean="0"/>
-              <a:t>‹#›</a:t>
             </a:fld>
             <a:endParaRPr lang="zh-CN" altLang="en-US"/>
           </a:p>
         </p:txBody>
       </p:sp>
     </p:spTree>
-    <p:extLst>
-      <p:ext uri="{BB962C8B-B14F-4D97-AF65-F5344CB8AC3E}">
-        <p14:creationId xmlns:p14="http://schemas.microsoft.com/office/powerpoint/2010/main" val="2213934837"/>
-      </p:ext>
-    </p:extLst>
   </p:cSld>
   <p:clrMapOvr>
     <a:masterClrMapping/>
@@ -1529,6 +1497,7 @@
               <a:rPr lang="zh-CN" altLang="en-US" smtClean="0"/>
               <a:t>单击此处编辑母版文本样式</a:t>
             </a:r>
+            <a:endParaRPr lang="zh-CN" altLang="en-US" smtClean="0"/>
           </a:p>
           <a:p>
             <a:pPr lvl="1"/>
@@ -1536,6 +1505,7 @@
               <a:rPr lang="zh-CN" altLang="en-US" smtClean="0"/>
               <a:t>第二级</a:t>
             </a:r>
+            <a:endParaRPr lang="zh-CN" altLang="en-US" smtClean="0"/>
           </a:p>
           <a:p>
             <a:pPr lvl="2"/>
@@ -1543,6 +1513,7 @@
               <a:rPr lang="zh-CN" altLang="en-US" smtClean="0"/>
               <a:t>第三级</a:t>
             </a:r>
+            <a:endParaRPr lang="zh-CN" altLang="en-US" smtClean="0"/>
           </a:p>
           <a:p>
             <a:pPr lvl="3"/>
@@ -1550,6 +1521,7 @@
               <a:rPr lang="zh-CN" altLang="en-US" smtClean="0"/>
               <a:t>第四级</a:t>
             </a:r>
+            <a:endParaRPr lang="zh-CN" altLang="en-US" smtClean="0"/>
           </a:p>
           <a:p>
             <a:pPr lvl="4"/>
@@ -1578,7 +1550,6 @@
           <a:p>
             <a:fld id="{DEA16D72-AA99-47C9-AF48-D51A5BF5A52B}" type="datetimeFigureOut">
               <a:rPr lang="zh-CN" altLang="en-US" smtClean="0"/>
-              <a:t>2019/1/5</a:t>
             </a:fld>
             <a:endParaRPr lang="zh-CN" altLang="en-US"/>
           </a:p>
@@ -1620,18 +1591,12 @@
           <a:p>
             <a:fld id="{3A3AB220-2023-4D1F-8F8C-60E89C571F67}" type="slidenum">
               <a:rPr lang="zh-CN" altLang="en-US" smtClean="0"/>
-              <a:t>‹#›</a:t>
             </a:fld>
             <a:endParaRPr lang="zh-CN" altLang="en-US"/>
           </a:p>
         </p:txBody>
       </p:sp>
     </p:spTree>
-    <p:extLst>
-      <p:ext uri="{BB962C8B-B14F-4D97-AF65-F5344CB8AC3E}">
-        <p14:creationId xmlns:p14="http://schemas.microsoft.com/office/powerpoint/2010/main" val="1491401345"/>
-      </p:ext>
-    </p:extLst>
   </p:cSld>
   <p:clrMapOvr>
     <a:masterClrMapping/>
@@ -1804,6 +1769,7 @@
               <a:rPr lang="zh-CN" altLang="en-US" smtClean="0"/>
               <a:t>单击此处编辑母版文本样式</a:t>
             </a:r>
+            <a:endParaRPr lang="zh-CN" altLang="en-US" smtClean="0"/>
           </a:p>
         </p:txBody>
       </p:sp>
@@ -1824,7 +1790,6 @@
           <a:p>
             <a:fld id="{DEA16D72-AA99-47C9-AF48-D51A5BF5A52B}" type="datetimeFigureOut">
               <a:rPr lang="zh-CN" altLang="en-US" smtClean="0"/>
-              <a:t>2019/1/5</a:t>
             </a:fld>
             <a:endParaRPr lang="zh-CN" altLang="en-US"/>
           </a:p>
@@ -1866,18 +1831,12 @@
           <a:p>
             <a:fld id="{3A3AB220-2023-4D1F-8F8C-60E89C571F67}" type="slidenum">
               <a:rPr lang="zh-CN" altLang="en-US" smtClean="0"/>
-              <a:t>‹#›</a:t>
             </a:fld>
             <a:endParaRPr lang="zh-CN" altLang="en-US"/>
           </a:p>
         </p:txBody>
       </p:sp>
     </p:spTree>
-    <p:extLst>
-      <p:ext uri="{BB962C8B-B14F-4D97-AF65-F5344CB8AC3E}">
-        <p14:creationId xmlns:p14="http://schemas.microsoft.com/office/powerpoint/2010/main" val="72401834"/>
-      </p:ext>
-    </p:extLst>
   </p:cSld>
   <p:clrMapOvr>
     <a:masterClrMapping/>
@@ -1950,6 +1909,7 @@
               <a:rPr lang="zh-CN" altLang="en-US" smtClean="0"/>
               <a:t>单击此处编辑母版文本样式</a:t>
             </a:r>
+            <a:endParaRPr lang="zh-CN" altLang="en-US" smtClean="0"/>
           </a:p>
           <a:p>
             <a:pPr lvl="1"/>
@@ -1957,6 +1917,7 @@
               <a:rPr lang="zh-CN" altLang="en-US" smtClean="0"/>
               <a:t>第二级</a:t>
             </a:r>
+            <a:endParaRPr lang="zh-CN" altLang="en-US" smtClean="0"/>
           </a:p>
           <a:p>
             <a:pPr lvl="2"/>
@@ -1964,6 +1925,7 @@
               <a:rPr lang="zh-CN" altLang="en-US" smtClean="0"/>
               <a:t>第三级</a:t>
             </a:r>
+            <a:endParaRPr lang="zh-CN" altLang="en-US" smtClean="0"/>
           </a:p>
           <a:p>
             <a:pPr lvl="3"/>
@@ -1971,6 +1933,7 @@
               <a:rPr lang="zh-CN" altLang="en-US" smtClean="0"/>
               <a:t>第四级</a:t>
             </a:r>
+            <a:endParaRPr lang="zh-CN" altLang="en-US" smtClean="0"/>
           </a:p>
           <a:p>
             <a:pPr lvl="4"/>
@@ -2007,6 +1970,7 @@
               <a:rPr lang="zh-CN" altLang="en-US" smtClean="0"/>
               <a:t>单击此处编辑母版文本样式</a:t>
             </a:r>
+            <a:endParaRPr lang="zh-CN" altLang="en-US" smtClean="0"/>
           </a:p>
           <a:p>
             <a:pPr lvl="1"/>
@@ -2014,6 +1978,7 @@
               <a:rPr lang="zh-CN" altLang="en-US" smtClean="0"/>
               <a:t>第二级</a:t>
             </a:r>
+            <a:endParaRPr lang="zh-CN" altLang="en-US" smtClean="0"/>
           </a:p>
           <a:p>
             <a:pPr lvl="2"/>
@@ -2021,6 +1986,7 @@
               <a:rPr lang="zh-CN" altLang="en-US" smtClean="0"/>
               <a:t>第三级</a:t>
             </a:r>
+            <a:endParaRPr lang="zh-CN" altLang="en-US" smtClean="0"/>
           </a:p>
           <a:p>
             <a:pPr lvl="3"/>
@@ -2028,6 +1994,7 @@
               <a:rPr lang="zh-CN" altLang="en-US" smtClean="0"/>
               <a:t>第四级</a:t>
             </a:r>
+            <a:endParaRPr lang="zh-CN" altLang="en-US" smtClean="0"/>
           </a:p>
           <a:p>
             <a:pPr lvl="4"/>
@@ -2056,7 +2023,6 @@
           <a:p>
             <a:fld id="{DEA16D72-AA99-47C9-AF48-D51A5BF5A52B}" type="datetimeFigureOut">
               <a:rPr lang="zh-CN" altLang="en-US" smtClean="0"/>
-              <a:t>2019/1/5</a:t>
             </a:fld>
             <a:endParaRPr lang="zh-CN" altLang="en-US"/>
           </a:p>
@@ -2098,18 +2064,12 @@
           <a:p>
             <a:fld id="{3A3AB220-2023-4D1F-8F8C-60E89C571F67}" type="slidenum">
               <a:rPr lang="zh-CN" altLang="en-US" smtClean="0"/>
-              <a:t>‹#›</a:t>
             </a:fld>
             <a:endParaRPr lang="zh-CN" altLang="en-US"/>
           </a:p>
         </p:txBody>
       </p:sp>
     </p:spTree>
-    <p:extLst>
-      <p:ext uri="{BB962C8B-B14F-4D97-AF65-F5344CB8AC3E}">
-        <p14:creationId xmlns:p14="http://schemas.microsoft.com/office/powerpoint/2010/main" val="382825263"/>
-      </p:ext>
-    </p:extLst>
   </p:cSld>
   <p:clrMapOvr>
     <a:masterClrMapping/>
@@ -2224,6 +2184,7 @@
               <a:rPr lang="zh-CN" altLang="en-US" smtClean="0"/>
               <a:t>单击此处编辑母版文本样式</a:t>
             </a:r>
+            <a:endParaRPr lang="zh-CN" altLang="en-US" smtClean="0"/>
           </a:p>
         </p:txBody>
       </p:sp>
@@ -2252,6 +2213,7 @@
               <a:rPr lang="zh-CN" altLang="en-US" smtClean="0"/>
               <a:t>单击此处编辑母版文本样式</a:t>
             </a:r>
+            <a:endParaRPr lang="zh-CN" altLang="en-US" smtClean="0"/>
           </a:p>
           <a:p>
             <a:pPr lvl="1"/>
@@ -2259,6 +2221,7 @@
               <a:rPr lang="zh-CN" altLang="en-US" smtClean="0"/>
               <a:t>第二级</a:t>
             </a:r>
+            <a:endParaRPr lang="zh-CN" altLang="en-US" smtClean="0"/>
           </a:p>
           <a:p>
             <a:pPr lvl="2"/>
@@ -2266,6 +2229,7 @@
               <a:rPr lang="zh-CN" altLang="en-US" smtClean="0"/>
               <a:t>第三级</a:t>
             </a:r>
+            <a:endParaRPr lang="zh-CN" altLang="en-US" smtClean="0"/>
           </a:p>
           <a:p>
             <a:pPr lvl="3"/>
@@ -2273,6 +2237,7 @@
               <a:rPr lang="zh-CN" altLang="en-US" smtClean="0"/>
               <a:t>第四级</a:t>
             </a:r>
+            <a:endParaRPr lang="zh-CN" altLang="en-US" smtClean="0"/>
           </a:p>
           <a:p>
             <a:pPr lvl="4"/>
@@ -2346,6 +2311,7 @@
               <a:rPr lang="zh-CN" altLang="en-US" smtClean="0"/>
               <a:t>单击此处编辑母版文本样式</a:t>
             </a:r>
+            <a:endParaRPr lang="zh-CN" altLang="en-US" smtClean="0"/>
           </a:p>
         </p:txBody>
       </p:sp>
@@ -2374,6 +2340,7 @@
               <a:rPr lang="zh-CN" altLang="en-US" smtClean="0"/>
               <a:t>单击此处编辑母版文本样式</a:t>
             </a:r>
+            <a:endParaRPr lang="zh-CN" altLang="en-US" smtClean="0"/>
           </a:p>
           <a:p>
             <a:pPr lvl="1"/>
@@ -2381,6 +2348,7 @@
               <a:rPr lang="zh-CN" altLang="en-US" smtClean="0"/>
               <a:t>第二级</a:t>
             </a:r>
+            <a:endParaRPr lang="zh-CN" altLang="en-US" smtClean="0"/>
           </a:p>
           <a:p>
             <a:pPr lvl="2"/>
@@ -2388,6 +2356,7 @@
               <a:rPr lang="zh-CN" altLang="en-US" smtClean="0"/>
               <a:t>第三级</a:t>
             </a:r>
+            <a:endParaRPr lang="zh-CN" altLang="en-US" smtClean="0"/>
           </a:p>
           <a:p>
             <a:pPr lvl="3"/>
@@ -2395,6 +2364,7 @@
               <a:rPr lang="zh-CN" altLang="en-US" smtClean="0"/>
               <a:t>第四级</a:t>
             </a:r>
+            <a:endParaRPr lang="zh-CN" altLang="en-US" smtClean="0"/>
           </a:p>
           <a:p>
             <a:pPr lvl="4"/>
@@ -2423,7 +2393,6 @@
           <a:p>
             <a:fld id="{DEA16D72-AA99-47C9-AF48-D51A5BF5A52B}" type="datetimeFigureOut">
               <a:rPr lang="zh-CN" altLang="en-US" smtClean="0"/>
-              <a:t>2019/1/5</a:t>
             </a:fld>
             <a:endParaRPr lang="zh-CN" altLang="en-US"/>
           </a:p>
@@ -2465,18 +2434,12 @@
           <a:p>
             <a:fld id="{3A3AB220-2023-4D1F-8F8C-60E89C571F67}" type="slidenum">
               <a:rPr lang="zh-CN" altLang="en-US" smtClean="0"/>
-              <a:t>‹#›</a:t>
             </a:fld>
             <a:endParaRPr lang="zh-CN" altLang="en-US"/>
           </a:p>
         </p:txBody>
       </p:sp>
     </p:spTree>
-    <p:extLst>
-      <p:ext uri="{BB962C8B-B14F-4D97-AF65-F5344CB8AC3E}">
-        <p14:creationId xmlns:p14="http://schemas.microsoft.com/office/powerpoint/2010/main" val="2590936738"/>
-      </p:ext>
-    </p:extLst>
   </p:cSld>
   <p:clrMapOvr>
     <a:masterClrMapping/>
@@ -2541,7 +2504,6 @@
           <a:p>
             <a:fld id="{DEA16D72-AA99-47C9-AF48-D51A5BF5A52B}" type="datetimeFigureOut">
               <a:rPr lang="zh-CN" altLang="en-US" smtClean="0"/>
-              <a:t>2019/1/5</a:t>
             </a:fld>
             <a:endParaRPr lang="zh-CN" altLang="en-US"/>
           </a:p>
@@ -2583,18 +2545,12 @@
           <a:p>
             <a:fld id="{3A3AB220-2023-4D1F-8F8C-60E89C571F67}" type="slidenum">
               <a:rPr lang="zh-CN" altLang="en-US" smtClean="0"/>
-              <a:t>‹#›</a:t>
             </a:fld>
             <a:endParaRPr lang="zh-CN" altLang="en-US"/>
           </a:p>
         </p:txBody>
       </p:sp>
     </p:spTree>
-    <p:extLst>
-      <p:ext uri="{BB962C8B-B14F-4D97-AF65-F5344CB8AC3E}">
-        <p14:creationId xmlns:p14="http://schemas.microsoft.com/office/powerpoint/2010/main" val="723120516"/>
-      </p:ext>
-    </p:extLst>
   </p:cSld>
   <p:clrMapOvr>
     <a:masterClrMapping/>
@@ -2636,7 +2592,6 @@
           <a:p>
             <a:fld id="{DEA16D72-AA99-47C9-AF48-D51A5BF5A52B}" type="datetimeFigureOut">
               <a:rPr lang="zh-CN" altLang="en-US" smtClean="0"/>
-              <a:t>2019/1/5</a:t>
             </a:fld>
             <a:endParaRPr lang="zh-CN" altLang="en-US"/>
           </a:p>
@@ -2678,18 +2633,12 @@
           <a:p>
             <a:fld id="{3A3AB220-2023-4D1F-8F8C-60E89C571F67}" type="slidenum">
               <a:rPr lang="zh-CN" altLang="en-US" smtClean="0"/>
-              <a:t>‹#›</a:t>
             </a:fld>
             <a:endParaRPr lang="zh-CN" altLang="en-US"/>
           </a:p>
         </p:txBody>
       </p:sp>
     </p:spTree>
-    <p:extLst>
-      <p:ext uri="{BB962C8B-B14F-4D97-AF65-F5344CB8AC3E}">
-        <p14:creationId xmlns:p14="http://schemas.microsoft.com/office/powerpoint/2010/main" val="2660292504"/>
-      </p:ext>
-    </p:extLst>
   </p:cSld>
   <p:clrMapOvr>
     <a:masterClrMapping/>
@@ -2799,6 +2748,7 @@
               <a:rPr lang="zh-CN" altLang="en-US" smtClean="0"/>
               <a:t>单击此处编辑母版文本样式</a:t>
             </a:r>
+            <a:endParaRPr lang="zh-CN" altLang="en-US" smtClean="0"/>
           </a:p>
           <a:p>
             <a:pPr lvl="1"/>
@@ -2806,6 +2756,7 @@
               <a:rPr lang="zh-CN" altLang="en-US" smtClean="0"/>
               <a:t>第二级</a:t>
             </a:r>
+            <a:endParaRPr lang="zh-CN" altLang="en-US" smtClean="0"/>
           </a:p>
           <a:p>
             <a:pPr lvl="2"/>
@@ -2813,6 +2764,7 @@
               <a:rPr lang="zh-CN" altLang="en-US" smtClean="0"/>
               <a:t>第三级</a:t>
             </a:r>
+            <a:endParaRPr lang="zh-CN" altLang="en-US" smtClean="0"/>
           </a:p>
           <a:p>
             <a:pPr lvl="3"/>
@@ -2820,6 +2772,7 @@
               <a:rPr lang="zh-CN" altLang="en-US" smtClean="0"/>
               <a:t>第四级</a:t>
             </a:r>
+            <a:endParaRPr lang="zh-CN" altLang="en-US" smtClean="0"/>
           </a:p>
           <a:p>
             <a:pPr lvl="4"/>
@@ -2893,6 +2846,7 @@
               <a:rPr lang="zh-CN" altLang="en-US" smtClean="0"/>
               <a:t>单击此处编辑母版文本样式</a:t>
             </a:r>
+            <a:endParaRPr lang="zh-CN" altLang="en-US" smtClean="0"/>
           </a:p>
         </p:txBody>
       </p:sp>
@@ -2913,7 +2867,6 @@
           <a:p>
             <a:fld id="{DEA16D72-AA99-47C9-AF48-D51A5BF5A52B}" type="datetimeFigureOut">
               <a:rPr lang="zh-CN" altLang="en-US" smtClean="0"/>
-              <a:t>2019/1/5</a:t>
             </a:fld>
             <a:endParaRPr lang="zh-CN" altLang="en-US"/>
           </a:p>
@@ -2955,18 +2908,12 @@
           <a:p>
             <a:fld id="{3A3AB220-2023-4D1F-8F8C-60E89C571F67}" type="slidenum">
               <a:rPr lang="zh-CN" altLang="en-US" smtClean="0"/>
-              <a:t>‹#›</a:t>
             </a:fld>
             <a:endParaRPr lang="zh-CN" altLang="en-US"/>
           </a:p>
         </p:txBody>
       </p:sp>
     </p:spTree>
-    <p:extLst>
-      <p:ext uri="{BB962C8B-B14F-4D97-AF65-F5344CB8AC3E}">
-        <p14:creationId xmlns:p14="http://schemas.microsoft.com/office/powerpoint/2010/main" val="3902147257"/>
-      </p:ext>
-    </p:extLst>
   </p:cSld>
   <p:clrMapOvr>
     <a:masterClrMapping/>
@@ -3146,6 +3093,7 @@
               <a:rPr lang="zh-CN" altLang="en-US" smtClean="0"/>
               <a:t>单击此处编辑母版文本样式</a:t>
             </a:r>
+            <a:endParaRPr lang="zh-CN" altLang="en-US" smtClean="0"/>
           </a:p>
         </p:txBody>
       </p:sp>
@@ -3166,7 +3114,6 @@
           <a:p>
             <a:fld id="{DEA16D72-AA99-47C9-AF48-D51A5BF5A52B}" type="datetimeFigureOut">
               <a:rPr lang="zh-CN" altLang="en-US" smtClean="0"/>
-              <a:t>2019/1/5</a:t>
             </a:fld>
             <a:endParaRPr lang="zh-CN" altLang="en-US"/>
           </a:p>
@@ -3208,18 +3155,12 @@
           <a:p>
             <a:fld id="{3A3AB220-2023-4D1F-8F8C-60E89C571F67}" type="slidenum">
               <a:rPr lang="zh-CN" altLang="en-US" smtClean="0"/>
-              <a:t>‹#›</a:t>
             </a:fld>
             <a:endParaRPr lang="zh-CN" altLang="en-US"/>
           </a:p>
         </p:txBody>
       </p:sp>
     </p:spTree>
-    <p:extLst>
-      <p:ext uri="{BB962C8B-B14F-4D97-AF65-F5344CB8AC3E}">
-        <p14:creationId xmlns:p14="http://schemas.microsoft.com/office/powerpoint/2010/main" val="3503534124"/>
-      </p:ext>
-    </p:extLst>
   </p:cSld>
   <p:clrMapOvr>
     <a:masterClrMapping/>
@@ -3312,6 +3253,7 @@
               <a:rPr lang="zh-CN" altLang="en-US" smtClean="0"/>
               <a:t>单击此处编辑母版文本样式</a:t>
             </a:r>
+            <a:endParaRPr lang="zh-CN" altLang="en-US" smtClean="0"/>
           </a:p>
           <a:p>
             <a:pPr lvl="1"/>
@@ -3319,6 +3261,7 @@
               <a:rPr lang="zh-CN" altLang="en-US" smtClean="0"/>
               <a:t>第二级</a:t>
             </a:r>
+            <a:endParaRPr lang="zh-CN" altLang="en-US" smtClean="0"/>
           </a:p>
           <a:p>
             <a:pPr lvl="2"/>
@@ -3326,6 +3269,7 @@
               <a:rPr lang="zh-CN" altLang="en-US" smtClean="0"/>
               <a:t>第三级</a:t>
             </a:r>
+            <a:endParaRPr lang="zh-CN" altLang="en-US" smtClean="0"/>
           </a:p>
           <a:p>
             <a:pPr lvl="3"/>
@@ -3333,6 +3277,7 @@
               <a:rPr lang="zh-CN" altLang="en-US" smtClean="0"/>
               <a:t>第四级</a:t>
             </a:r>
+            <a:endParaRPr lang="zh-CN" altLang="en-US" smtClean="0"/>
           </a:p>
           <a:p>
             <a:pPr lvl="4"/>
@@ -3379,7 +3324,6 @@
           <a:p>
             <a:fld id="{DEA16D72-AA99-47C9-AF48-D51A5BF5A52B}" type="datetimeFigureOut">
               <a:rPr lang="zh-CN" altLang="en-US" smtClean="0"/>
-              <a:t>2019/1/5</a:t>
             </a:fld>
             <a:endParaRPr lang="zh-CN" altLang="en-US"/>
           </a:p>
@@ -3457,18 +3401,12 @@
           <a:p>
             <a:fld id="{3A3AB220-2023-4D1F-8F8C-60E89C571F67}" type="slidenum">
               <a:rPr lang="zh-CN" altLang="en-US" smtClean="0"/>
-              <a:t>‹#›</a:t>
             </a:fld>
             <a:endParaRPr lang="zh-CN" altLang="en-US"/>
           </a:p>
         </p:txBody>
       </p:sp>
     </p:spTree>
-    <p:extLst>
-      <p:ext uri="{BB962C8B-B14F-4D97-AF65-F5344CB8AC3E}">
-        <p14:creationId xmlns:p14="http://schemas.microsoft.com/office/powerpoint/2010/main" val="1678010612"/>
-      </p:ext>
-    </p:extLst>
   </p:cSld>
   <p:clrMap bg1="lt1" tx1="dk1" bg2="lt2" tx2="dk2" accent1="accent1" accent2="accent2" accent3="accent3" accent4="accent4" accent5="accent5" accent6="accent6" hlink="hlink" folHlink="folHlink"/>
   <p:sldLayoutIdLst>
@@ -3823,11 +3761,6 @@
         </p:txBody>
       </p:sp>
     </p:spTree>
-    <p:extLst>
-      <p:ext uri="{BB962C8B-B14F-4D97-AF65-F5344CB8AC3E}">
-        <p14:creationId xmlns:p14="http://schemas.microsoft.com/office/powerpoint/2010/main" val="2501216326"/>
-      </p:ext>
-    </p:extLst>
   </p:cSld>
   <p:clrMapOvr>
     <a:masterClrMapping/>
@@ -4464,8 +4397,8 @@
         </p:nvSpPr>
         <p:spPr>
           <a:xfrm>
-            <a:off x="2359742" y="339213"/>
-            <a:ext cx="6027612" cy="400110"/>
+            <a:off x="3446145" y="641473"/>
+            <a:ext cx="5299710" cy="398780"/>
           </a:xfrm>
           <a:prstGeom prst="rect">
             <a:avLst/>
@@ -4478,40 +4411,20 @@
           </a:bodyPr>
           <a:lstStyle/>
           <a:p>
+            <a:pPr algn="ctr"/>
             <a:r>
               <a:rPr lang="en-US" altLang="zh-CN" sz="2000" b="1" dirty="0" smtClean="0">
                 <a:latin typeface="微软雅黑" panose="020B0503020204020204" pitchFamily="34" charset="-122"/>
                 <a:ea typeface="微软雅黑" panose="020B0503020204020204" pitchFamily="34" charset="-122"/>
               </a:rPr>
-              <a:t>Block Lang </a:t>
+              <a:t>Block Lang APP </a:t>
             </a:r>
             <a:r>
               <a:rPr lang="zh-CN" altLang="en-US" sz="2000" b="1" dirty="0" smtClean="0">
                 <a:latin typeface="微软雅黑" panose="020B0503020204020204" pitchFamily="34" charset="-122"/>
                 <a:ea typeface="微软雅黑" panose="020B0503020204020204" pitchFamily="34" charset="-122"/>
               </a:rPr>
-              <a:t>发布的软件在</a:t>
-            </a:r>
-            <a:r>
-              <a:rPr lang="zh-CN" altLang="en-US" sz="2000" b="1" dirty="0" smtClean="0">
-                <a:latin typeface="微软雅黑" panose="020B0503020204020204" pitchFamily="34" charset="-122"/>
-                <a:ea typeface="微软雅黑" panose="020B0503020204020204" pitchFamily="34" charset="-122"/>
-              </a:rPr>
-              <a:t>集群环境</a:t>
-            </a:r>
-            <a:r>
-              <a:rPr lang="zh-CN" altLang="en-US" sz="2000" b="1" dirty="0" smtClean="0">
-                <a:latin typeface="微软雅黑" panose="020B0503020204020204" pitchFamily="34" charset="-122"/>
-                <a:ea typeface="微软雅黑" panose="020B0503020204020204" pitchFamily="34" charset="-122"/>
-              </a:rPr>
-              <a:t>下的部署</a:t>
-            </a:r>
-            <a:r>
-              <a:rPr lang="zh-CN" altLang="en-US" sz="2000" b="1" dirty="0" smtClean="0">
-                <a:latin typeface="微软雅黑" panose="020B0503020204020204" pitchFamily="34" charset="-122"/>
-                <a:ea typeface="微软雅黑" panose="020B0503020204020204" pitchFamily="34" charset="-122"/>
-              </a:rPr>
-              <a:t>示意图</a:t>
+              <a:t>在集群环境下的部署示意图</a:t>
             </a:r>
             <a:endParaRPr lang="zh-CN" altLang="en-US" sz="2000" b="1" dirty="0">
               <a:latin typeface="微软雅黑" panose="020B0503020204020204" pitchFamily="34" charset="-122"/>
@@ -5211,17 +5124,7 @@
                 <a:latin typeface="微软雅黑" panose="020B0503020204020204" pitchFamily="34" charset="-122"/>
                 <a:ea typeface="微软雅黑" panose="020B0503020204020204" pitchFamily="34" charset="-122"/>
               </a:rPr>
-              <a:t>运行</a:t>
-            </a:r>
-            <a:r>
-              <a:rPr lang="zh-CN" altLang="en-US" dirty="0" smtClean="0">
-                <a:solidFill>
-                  <a:schemeClr val="tx1"/>
-                </a:solidFill>
-                <a:latin typeface="微软雅黑" panose="020B0503020204020204" pitchFamily="34" charset="-122"/>
-                <a:ea typeface="微软雅黑" panose="020B0503020204020204" pitchFamily="34" charset="-122"/>
-              </a:rPr>
-              <a:t>实例三</a:t>
+              <a:t>运行实例三</a:t>
             </a:r>
             <a:endParaRPr lang="en-US" altLang="zh-CN" dirty="0" smtClean="0">
               <a:solidFill>
@@ -5343,14 +5246,7 @@
                 <a:latin typeface="微软雅黑" panose="020B0503020204020204" pitchFamily="34" charset="-122"/>
                 <a:ea typeface="微软雅黑" panose="020B0503020204020204" pitchFamily="34" charset="-122"/>
               </a:rPr>
-              <a:t>    </a:t>
-            </a:r>
-            <a:r>
-              <a:rPr lang="en-US" altLang="zh-CN" dirty="0" smtClean="0">
-                <a:latin typeface="微软雅黑" panose="020B0503020204020204" pitchFamily="34" charset="-122"/>
-                <a:ea typeface="微软雅黑" panose="020B0503020204020204" pitchFamily="34" charset="-122"/>
-              </a:rPr>
-              <a:t>IP</a:t>
+              <a:t>    IP</a:t>
             </a:r>
             <a:r>
               <a:rPr lang="zh-CN" altLang="en-US" dirty="0" smtClean="0">
@@ -5433,17 +5329,7 @@
                 <a:latin typeface="微软雅黑" panose="020B0503020204020204" pitchFamily="34" charset="-122"/>
                 <a:ea typeface="微软雅黑" panose="020B0503020204020204" pitchFamily="34" charset="-122"/>
               </a:rPr>
-              <a:t>运行</a:t>
-            </a:r>
-            <a:r>
-              <a:rPr lang="zh-CN" altLang="en-US" dirty="0" smtClean="0">
-                <a:solidFill>
-                  <a:schemeClr val="tx1"/>
-                </a:solidFill>
-                <a:latin typeface="微软雅黑" panose="020B0503020204020204" pitchFamily="34" charset="-122"/>
-                <a:ea typeface="微软雅黑" panose="020B0503020204020204" pitchFamily="34" charset="-122"/>
-              </a:rPr>
-              <a:t>实例四</a:t>
+              <a:t>运行实例四</a:t>
             </a:r>
             <a:endParaRPr lang="en-US" altLang="zh-CN" dirty="0" smtClean="0">
               <a:solidFill>
@@ -5802,11 +5688,6 @@
         </p:txBody>
       </p:sp>
     </p:spTree>
-    <p:extLst>
-      <p:ext uri="{BB962C8B-B14F-4D97-AF65-F5344CB8AC3E}">
-        <p14:creationId xmlns:p14="http://schemas.microsoft.com/office/powerpoint/2010/main" val="3289782003"/>
-      </p:ext>
-    </p:extLst>
   </p:cSld>
   <p:clrMapOvr>
     <a:masterClrMapping/>
@@ -5818,6 +5699,1492 @@
       </p:par>
     </p:tnLst>
   </p:timing>
+</p:sld>
+</file>
+
+<file path=ppt/slides/slide3.xml><?xml version="1.0" encoding="utf-8"?>
+<p:sld xmlns:a="http://schemas.openxmlformats.org/drawingml/2006/main" xmlns:r="http://schemas.openxmlformats.org/officeDocument/2006/relationships" xmlns:p="http://schemas.openxmlformats.org/presentationml/2006/main">
+  <p:cSld>
+    <p:spTree>
+      <p:nvGrpSpPr>
+        <p:cNvPr id="1" name=""/>
+        <p:cNvGrpSpPr/>
+        <p:nvPr/>
+      </p:nvGrpSpPr>
+      <p:grpSpPr/>
+      <p:sp>
+        <p:nvSpPr>
+          <p:cNvPr id="4" name="矩形 3"/>
+          <p:cNvSpPr/>
+          <p:nvPr/>
+        </p:nvSpPr>
+        <p:spPr>
+          <a:xfrm>
+            <a:off x="263843" y="570230"/>
+            <a:ext cx="1858010" cy="2067560"/>
+          </a:xfrm>
+          <a:prstGeom prst="rect">
+            <a:avLst/>
+          </a:prstGeom>
+          <a:noFill/>
+          <a:ln>
+            <a:solidFill>
+              <a:schemeClr val="tx1"/>
+            </a:solidFill>
+          </a:ln>
+          <a:extLst>
+            <a:ext uri="{909E8E84-426E-40DD-AFC4-6F175D3DCCD1}">
+              <a14:hiddenFill xmlns:a14="http://schemas.microsoft.com/office/drawing/2010/main">
+                <a:solidFill>
+                  <a:schemeClr val="accent1"/>
+                </a:solidFill>
+              </a14:hiddenFill>
+            </a:ext>
+          </a:extLst>
+        </p:spPr>
+        <p:style>
+          <a:lnRef idx="2">
+            <a:schemeClr val="accent1">
+              <a:shade val="50000"/>
+            </a:schemeClr>
+          </a:lnRef>
+          <a:fillRef idx="1">
+            <a:schemeClr val="accent1"/>
+          </a:fillRef>
+          <a:effectRef idx="0">
+            <a:schemeClr val="accent1"/>
+          </a:effectRef>
+          <a:fontRef idx="minor">
+            <a:schemeClr val="lt1"/>
+          </a:fontRef>
+        </p:style>
+        <p:txBody>
+          <a:bodyPr rtlCol="0" anchor="ctr"/>
+          <a:p>
+            <a:pPr algn="ctr"/>
+            <a:endParaRPr lang="zh-CN" altLang="en-US"/>
+          </a:p>
+        </p:txBody>
+      </p:sp>
+      <p:sp>
+        <p:nvSpPr>
+          <p:cNvPr id="5" name="矩形 4"/>
+          <p:cNvSpPr/>
+          <p:nvPr/>
+        </p:nvSpPr>
+        <p:spPr>
+          <a:xfrm>
+            <a:off x="347980" y="1472565"/>
+            <a:ext cx="1689735" cy="510540"/>
+          </a:xfrm>
+          <a:prstGeom prst="rect">
+            <a:avLst/>
+          </a:prstGeom>
+          <a:noFill/>
+          <a:ln>
+            <a:solidFill>
+              <a:schemeClr val="tx1"/>
+            </a:solidFill>
+          </a:ln>
+          <a:extLst>
+            <a:ext uri="{909E8E84-426E-40DD-AFC4-6F175D3DCCD1}">
+              <a14:hiddenFill xmlns:a14="http://schemas.microsoft.com/office/drawing/2010/main">
+                <a:solidFill>
+                  <a:schemeClr val="accent1"/>
+                </a:solidFill>
+              </a14:hiddenFill>
+            </a:ext>
+          </a:extLst>
+        </p:spPr>
+        <p:style>
+          <a:lnRef idx="2">
+            <a:schemeClr val="accent1">
+              <a:shade val="50000"/>
+            </a:schemeClr>
+          </a:lnRef>
+          <a:fillRef idx="1">
+            <a:schemeClr val="accent1"/>
+          </a:fillRef>
+          <a:effectRef idx="0">
+            <a:schemeClr val="accent1"/>
+          </a:effectRef>
+          <a:fontRef idx="minor">
+            <a:schemeClr val="lt1"/>
+          </a:fontRef>
+        </p:style>
+        <p:txBody>
+          <a:bodyPr rtlCol="0" anchor="ctr"/>
+          <a:p>
+            <a:pPr algn="ctr"/>
+            <a:r>
+              <a:rPr lang="en-US" altLang="zh-CN">
+                <a:solidFill>
+                  <a:schemeClr val="tx1"/>
+                </a:solidFill>
+                <a:latin typeface="微软雅黑" panose="020B0503020204020204" pitchFamily="34" charset="-122"/>
+                <a:ea typeface="微软雅黑" panose="020B0503020204020204" pitchFamily="34" charset="-122"/>
+                <a:cs typeface="微软雅黑" panose="020B0503020204020204" pitchFamily="34" charset="-122"/>
+              </a:rPr>
+              <a:t>Dojo</a:t>
+            </a:r>
+            <a:r>
+              <a:rPr lang="zh-CN" altLang="en-US">
+                <a:solidFill>
+                  <a:schemeClr val="tx1"/>
+                </a:solidFill>
+                <a:latin typeface="微软雅黑" panose="020B0503020204020204" pitchFamily="34" charset="-122"/>
+                <a:ea typeface="微软雅黑" panose="020B0503020204020204" pitchFamily="34" charset="-122"/>
+                <a:cs typeface="微软雅黑" panose="020B0503020204020204" pitchFamily="34" charset="-122"/>
+              </a:rPr>
+              <a:t>项目模板</a:t>
+            </a:r>
+            <a:endParaRPr lang="zh-CN" altLang="en-US">
+              <a:solidFill>
+                <a:schemeClr val="tx1"/>
+              </a:solidFill>
+              <a:latin typeface="微软雅黑" panose="020B0503020204020204" pitchFamily="34" charset="-122"/>
+              <a:ea typeface="微软雅黑" panose="020B0503020204020204" pitchFamily="34" charset="-122"/>
+              <a:cs typeface="微软雅黑" panose="020B0503020204020204" pitchFamily="34" charset="-122"/>
+            </a:endParaRPr>
+          </a:p>
+        </p:txBody>
+      </p:sp>
+      <p:sp>
+        <p:nvSpPr>
+          <p:cNvPr id="6" name="矩形 5"/>
+          <p:cNvSpPr/>
+          <p:nvPr/>
+        </p:nvSpPr>
+        <p:spPr>
+          <a:xfrm>
+            <a:off x="347980" y="741045"/>
+            <a:ext cx="1689735" cy="510540"/>
+          </a:xfrm>
+          <a:prstGeom prst="rect">
+            <a:avLst/>
+          </a:prstGeom>
+          <a:noFill/>
+          <a:ln>
+            <a:solidFill>
+              <a:schemeClr val="tx1"/>
+            </a:solidFill>
+          </a:ln>
+          <a:extLst>
+            <a:ext uri="{909E8E84-426E-40DD-AFC4-6F175D3DCCD1}">
+              <a14:hiddenFill xmlns:a14="http://schemas.microsoft.com/office/drawing/2010/main">
+                <a:solidFill>
+                  <a:schemeClr val="accent1"/>
+                </a:solidFill>
+              </a14:hiddenFill>
+            </a:ext>
+          </a:extLst>
+        </p:spPr>
+        <p:style>
+          <a:lnRef idx="2">
+            <a:schemeClr val="accent1">
+              <a:shade val="50000"/>
+            </a:schemeClr>
+          </a:lnRef>
+          <a:fillRef idx="1">
+            <a:schemeClr val="accent1"/>
+          </a:fillRef>
+          <a:effectRef idx="0">
+            <a:schemeClr val="accent1"/>
+          </a:effectRef>
+          <a:fontRef idx="minor">
+            <a:schemeClr val="lt1"/>
+          </a:fontRef>
+        </p:style>
+        <p:txBody>
+          <a:bodyPr rtlCol="0" anchor="ctr"/>
+          <a:p>
+            <a:pPr algn="ctr"/>
+            <a:r>
+              <a:rPr lang="en-US" altLang="zh-CN">
+                <a:solidFill>
+                  <a:schemeClr val="tx1"/>
+                </a:solidFill>
+                <a:latin typeface="微软雅黑" panose="020B0503020204020204" pitchFamily="34" charset="-122"/>
+                <a:ea typeface="微软雅黑" panose="020B0503020204020204" pitchFamily="34" charset="-122"/>
+                <a:cs typeface="微软雅黑" panose="020B0503020204020204" pitchFamily="34" charset="-122"/>
+              </a:rPr>
+              <a:t>Spring Boot</a:t>
+            </a:r>
+            <a:r>
+              <a:rPr lang="zh-CN" altLang="en-US">
+                <a:solidFill>
+                  <a:schemeClr val="tx1"/>
+                </a:solidFill>
+                <a:latin typeface="微软雅黑" panose="020B0503020204020204" pitchFamily="34" charset="-122"/>
+                <a:ea typeface="微软雅黑" panose="020B0503020204020204" pitchFamily="34" charset="-122"/>
+                <a:cs typeface="微软雅黑" panose="020B0503020204020204" pitchFamily="34" charset="-122"/>
+              </a:rPr>
+              <a:t>项目模板</a:t>
+            </a:r>
+            <a:endParaRPr lang="zh-CN" altLang="en-US">
+              <a:solidFill>
+                <a:schemeClr val="tx1"/>
+              </a:solidFill>
+              <a:latin typeface="微软雅黑" panose="020B0503020204020204" pitchFamily="34" charset="-122"/>
+              <a:ea typeface="微软雅黑" panose="020B0503020204020204" pitchFamily="34" charset="-122"/>
+              <a:cs typeface="微软雅黑" panose="020B0503020204020204" pitchFamily="34" charset="-122"/>
+            </a:endParaRPr>
+          </a:p>
+        </p:txBody>
+      </p:sp>
+      <p:sp>
+        <p:nvSpPr>
+          <p:cNvPr id="7" name="矩形 6"/>
+          <p:cNvSpPr/>
+          <p:nvPr/>
+        </p:nvSpPr>
+        <p:spPr>
+          <a:xfrm>
+            <a:off x="263525" y="2127250"/>
+            <a:ext cx="1858645" cy="510540"/>
+          </a:xfrm>
+          <a:prstGeom prst="rect">
+            <a:avLst/>
+          </a:prstGeom>
+          <a:solidFill>
+            <a:schemeClr val="accent6">
+              <a:lumMod val="75000"/>
+            </a:schemeClr>
+          </a:solidFill>
+          <a:ln>
+            <a:solidFill>
+              <a:schemeClr val="tx1"/>
+            </a:solidFill>
+          </a:ln>
+        </p:spPr>
+        <p:style>
+          <a:lnRef idx="2">
+            <a:schemeClr val="accent1">
+              <a:shade val="50000"/>
+            </a:schemeClr>
+          </a:lnRef>
+          <a:fillRef idx="1">
+            <a:schemeClr val="accent1"/>
+          </a:fillRef>
+          <a:effectRef idx="0">
+            <a:schemeClr val="accent1"/>
+          </a:effectRef>
+          <a:fontRef idx="minor">
+            <a:schemeClr val="lt1"/>
+          </a:fontRef>
+        </p:style>
+        <p:txBody>
+          <a:bodyPr rtlCol="0" anchor="ctr"/>
+          <a:p>
+            <a:pPr algn="ctr"/>
+            <a:r>
+              <a:rPr lang="en-US">
+                <a:solidFill>
+                  <a:schemeClr val="bg1"/>
+                </a:solidFill>
+                <a:latin typeface="微软雅黑" panose="020B0503020204020204" pitchFamily="34" charset="-122"/>
+                <a:ea typeface="微软雅黑" panose="020B0503020204020204" pitchFamily="34" charset="-122"/>
+                <a:cs typeface="微软雅黑" panose="020B0503020204020204" pitchFamily="34" charset="-122"/>
+              </a:rPr>
+              <a:t>Github</a:t>
+            </a:r>
+            <a:endParaRPr lang="en-US">
+              <a:solidFill>
+                <a:schemeClr val="bg1"/>
+              </a:solidFill>
+              <a:latin typeface="微软雅黑" panose="020B0503020204020204" pitchFamily="34" charset="-122"/>
+              <a:ea typeface="微软雅黑" panose="020B0503020204020204" pitchFamily="34" charset="-122"/>
+              <a:cs typeface="微软雅黑" panose="020B0503020204020204" pitchFamily="34" charset="-122"/>
+            </a:endParaRPr>
+          </a:p>
+        </p:txBody>
+      </p:sp>
+      <p:sp>
+        <p:nvSpPr>
+          <p:cNvPr id="8" name="矩形 7"/>
+          <p:cNvSpPr/>
+          <p:nvPr/>
+        </p:nvSpPr>
+        <p:spPr>
+          <a:xfrm>
+            <a:off x="2768600" y="570230"/>
+            <a:ext cx="8686800" cy="2067560"/>
+          </a:xfrm>
+          <a:prstGeom prst="rect">
+            <a:avLst/>
+          </a:prstGeom>
+          <a:noFill/>
+          <a:ln>
+            <a:solidFill>
+              <a:schemeClr val="tx1"/>
+            </a:solidFill>
+          </a:ln>
+          <a:extLst>
+            <a:ext uri="{909E8E84-426E-40DD-AFC4-6F175D3DCCD1}">
+              <a14:hiddenFill xmlns:a14="http://schemas.microsoft.com/office/drawing/2010/main">
+                <a:solidFill>
+                  <a:schemeClr val="accent1"/>
+                </a:solidFill>
+              </a14:hiddenFill>
+            </a:ext>
+          </a:extLst>
+        </p:spPr>
+        <p:style>
+          <a:lnRef idx="2">
+            <a:schemeClr val="accent1">
+              <a:shade val="50000"/>
+            </a:schemeClr>
+          </a:lnRef>
+          <a:fillRef idx="1">
+            <a:schemeClr val="accent1"/>
+          </a:fillRef>
+          <a:effectRef idx="0">
+            <a:schemeClr val="accent1"/>
+          </a:effectRef>
+          <a:fontRef idx="minor">
+            <a:schemeClr val="lt1"/>
+          </a:fontRef>
+        </p:style>
+        <p:txBody>
+          <a:bodyPr rtlCol="0" anchor="ctr"/>
+          <a:p>
+            <a:pPr algn="ctr"/>
+            <a:endParaRPr lang="zh-CN" altLang="en-US"/>
+          </a:p>
+        </p:txBody>
+      </p:sp>
+      <p:sp>
+        <p:nvSpPr>
+          <p:cNvPr id="9" name="矩形 8"/>
+          <p:cNvSpPr/>
+          <p:nvPr/>
+        </p:nvSpPr>
+        <p:spPr>
+          <a:xfrm>
+            <a:off x="2852420" y="1472565"/>
+            <a:ext cx="1689735" cy="510540"/>
+          </a:xfrm>
+          <a:prstGeom prst="rect">
+            <a:avLst/>
+          </a:prstGeom>
+          <a:noFill/>
+          <a:ln>
+            <a:solidFill>
+              <a:schemeClr val="tx1"/>
+            </a:solidFill>
+          </a:ln>
+          <a:extLst>
+            <a:ext uri="{909E8E84-426E-40DD-AFC4-6F175D3DCCD1}">
+              <a14:hiddenFill xmlns:a14="http://schemas.microsoft.com/office/drawing/2010/main">
+                <a:solidFill>
+                  <a:schemeClr val="accent1"/>
+                </a:solidFill>
+              </a14:hiddenFill>
+            </a:ext>
+          </a:extLst>
+        </p:spPr>
+        <p:style>
+          <a:lnRef idx="2">
+            <a:schemeClr val="accent1">
+              <a:shade val="50000"/>
+            </a:schemeClr>
+          </a:lnRef>
+          <a:fillRef idx="1">
+            <a:schemeClr val="accent1"/>
+          </a:fillRef>
+          <a:effectRef idx="0">
+            <a:schemeClr val="accent1"/>
+          </a:effectRef>
+          <a:fontRef idx="minor">
+            <a:schemeClr val="lt1"/>
+          </a:fontRef>
+        </p:style>
+        <p:txBody>
+          <a:bodyPr rtlCol="0" anchor="ctr"/>
+          <a:p>
+            <a:pPr algn="ctr"/>
+            <a:r>
+              <a:rPr lang="en-US" altLang="zh-CN">
+                <a:solidFill>
+                  <a:schemeClr val="tx1"/>
+                </a:solidFill>
+                <a:latin typeface="微软雅黑" panose="020B0503020204020204" pitchFamily="34" charset="-122"/>
+                <a:ea typeface="微软雅黑" panose="020B0503020204020204" pitchFamily="34" charset="-122"/>
+                <a:cs typeface="微软雅黑" panose="020B0503020204020204" pitchFamily="34" charset="-122"/>
+              </a:rPr>
+              <a:t>Dojo</a:t>
+            </a:r>
+            <a:r>
+              <a:rPr lang="zh-CN" altLang="en-US">
+                <a:solidFill>
+                  <a:schemeClr val="tx1"/>
+                </a:solidFill>
+                <a:latin typeface="微软雅黑" panose="020B0503020204020204" pitchFamily="34" charset="-122"/>
+                <a:ea typeface="微软雅黑" panose="020B0503020204020204" pitchFamily="34" charset="-122"/>
+                <a:cs typeface="微软雅黑" panose="020B0503020204020204" pitchFamily="34" charset="-122"/>
+              </a:rPr>
+              <a:t>项目模板</a:t>
+            </a:r>
+            <a:endParaRPr lang="zh-CN" altLang="en-US">
+              <a:solidFill>
+                <a:schemeClr val="tx1"/>
+              </a:solidFill>
+              <a:latin typeface="微软雅黑" panose="020B0503020204020204" pitchFamily="34" charset="-122"/>
+              <a:ea typeface="微软雅黑" panose="020B0503020204020204" pitchFamily="34" charset="-122"/>
+              <a:cs typeface="微软雅黑" panose="020B0503020204020204" pitchFamily="34" charset="-122"/>
+            </a:endParaRPr>
+          </a:p>
+        </p:txBody>
+      </p:sp>
+      <p:sp>
+        <p:nvSpPr>
+          <p:cNvPr id="10" name="矩形 9"/>
+          <p:cNvSpPr/>
+          <p:nvPr/>
+        </p:nvSpPr>
+        <p:spPr>
+          <a:xfrm>
+            <a:off x="2852420" y="741045"/>
+            <a:ext cx="1689735" cy="510540"/>
+          </a:xfrm>
+          <a:prstGeom prst="rect">
+            <a:avLst/>
+          </a:prstGeom>
+          <a:noFill/>
+          <a:ln>
+            <a:solidFill>
+              <a:schemeClr val="tx1"/>
+            </a:solidFill>
+          </a:ln>
+          <a:extLst>
+            <a:ext uri="{909E8E84-426E-40DD-AFC4-6F175D3DCCD1}">
+              <a14:hiddenFill xmlns:a14="http://schemas.microsoft.com/office/drawing/2010/main">
+                <a:solidFill>
+                  <a:schemeClr val="accent1"/>
+                </a:solidFill>
+              </a14:hiddenFill>
+            </a:ext>
+          </a:extLst>
+        </p:spPr>
+        <p:style>
+          <a:lnRef idx="2">
+            <a:schemeClr val="accent1">
+              <a:shade val="50000"/>
+            </a:schemeClr>
+          </a:lnRef>
+          <a:fillRef idx="1">
+            <a:schemeClr val="accent1"/>
+          </a:fillRef>
+          <a:effectRef idx="0">
+            <a:schemeClr val="accent1"/>
+          </a:effectRef>
+          <a:fontRef idx="minor">
+            <a:schemeClr val="lt1"/>
+          </a:fontRef>
+        </p:style>
+        <p:txBody>
+          <a:bodyPr rtlCol="0" anchor="ctr"/>
+          <a:p>
+            <a:pPr algn="ctr"/>
+            <a:r>
+              <a:rPr lang="en-US" altLang="zh-CN">
+                <a:solidFill>
+                  <a:schemeClr val="tx1"/>
+                </a:solidFill>
+                <a:latin typeface="微软雅黑" panose="020B0503020204020204" pitchFamily="34" charset="-122"/>
+                <a:ea typeface="微软雅黑" panose="020B0503020204020204" pitchFamily="34" charset="-122"/>
+                <a:cs typeface="微软雅黑" panose="020B0503020204020204" pitchFamily="34" charset="-122"/>
+              </a:rPr>
+              <a:t>Spring Boot</a:t>
+            </a:r>
+            <a:r>
+              <a:rPr lang="zh-CN" altLang="en-US">
+                <a:solidFill>
+                  <a:schemeClr val="tx1"/>
+                </a:solidFill>
+                <a:latin typeface="微软雅黑" panose="020B0503020204020204" pitchFamily="34" charset="-122"/>
+                <a:ea typeface="微软雅黑" panose="020B0503020204020204" pitchFamily="34" charset="-122"/>
+                <a:cs typeface="微软雅黑" panose="020B0503020204020204" pitchFamily="34" charset="-122"/>
+              </a:rPr>
+              <a:t>项目模板</a:t>
+            </a:r>
+            <a:endParaRPr lang="zh-CN" altLang="en-US">
+              <a:solidFill>
+                <a:schemeClr val="tx1"/>
+              </a:solidFill>
+              <a:latin typeface="微软雅黑" panose="020B0503020204020204" pitchFamily="34" charset="-122"/>
+              <a:ea typeface="微软雅黑" panose="020B0503020204020204" pitchFamily="34" charset="-122"/>
+              <a:cs typeface="微软雅黑" panose="020B0503020204020204" pitchFamily="34" charset="-122"/>
+            </a:endParaRPr>
+          </a:p>
+        </p:txBody>
+      </p:sp>
+      <p:sp>
+        <p:nvSpPr>
+          <p:cNvPr id="11" name="矩形 10"/>
+          <p:cNvSpPr/>
+          <p:nvPr/>
+        </p:nvSpPr>
+        <p:spPr>
+          <a:xfrm>
+            <a:off x="2767965" y="2127250"/>
+            <a:ext cx="8686800" cy="510540"/>
+          </a:xfrm>
+          <a:prstGeom prst="rect">
+            <a:avLst/>
+          </a:prstGeom>
+          <a:solidFill>
+            <a:schemeClr val="accent6">
+              <a:lumMod val="75000"/>
+            </a:schemeClr>
+          </a:solidFill>
+          <a:ln>
+            <a:solidFill>
+              <a:schemeClr val="tx1"/>
+            </a:solidFill>
+          </a:ln>
+        </p:spPr>
+        <p:style>
+          <a:lnRef idx="2">
+            <a:schemeClr val="accent1">
+              <a:shade val="50000"/>
+            </a:schemeClr>
+          </a:lnRef>
+          <a:fillRef idx="1">
+            <a:schemeClr val="accent1"/>
+          </a:fillRef>
+          <a:effectRef idx="0">
+            <a:schemeClr val="accent1"/>
+          </a:effectRef>
+          <a:fontRef idx="minor">
+            <a:schemeClr val="lt1"/>
+          </a:fontRef>
+        </p:style>
+        <p:txBody>
+          <a:bodyPr rtlCol="0" anchor="ctr"/>
+          <a:p>
+            <a:pPr algn="ctr"/>
+            <a:r>
+              <a:rPr lang="en-US">
+                <a:solidFill>
+                  <a:schemeClr val="bg1"/>
+                </a:solidFill>
+                <a:latin typeface="微软雅黑" panose="020B0503020204020204" pitchFamily="34" charset="-122"/>
+                <a:ea typeface="微软雅黑" panose="020B0503020204020204" pitchFamily="34" charset="-122"/>
+                <a:cs typeface="微软雅黑" panose="020B0503020204020204" pitchFamily="34" charset="-122"/>
+              </a:rPr>
+              <a:t>Block Lang </a:t>
+            </a:r>
+            <a:r>
+              <a:rPr lang="zh-CN" altLang="en-US">
+                <a:solidFill>
+                  <a:schemeClr val="bg1"/>
+                </a:solidFill>
+                <a:latin typeface="微软雅黑" panose="020B0503020204020204" pitchFamily="34" charset="-122"/>
+                <a:ea typeface="微软雅黑" panose="020B0503020204020204" pitchFamily="34" charset="-122"/>
+                <a:cs typeface="微软雅黑" panose="020B0503020204020204" pitchFamily="34" charset="-122"/>
+              </a:rPr>
+              <a:t>发布中心</a:t>
+            </a:r>
+            <a:endParaRPr lang="zh-CN" altLang="en-US">
+              <a:solidFill>
+                <a:schemeClr val="bg1"/>
+              </a:solidFill>
+              <a:latin typeface="微软雅黑" panose="020B0503020204020204" pitchFamily="34" charset="-122"/>
+              <a:ea typeface="微软雅黑" panose="020B0503020204020204" pitchFamily="34" charset="-122"/>
+              <a:cs typeface="微软雅黑" panose="020B0503020204020204" pitchFamily="34" charset="-122"/>
+            </a:endParaRPr>
+          </a:p>
+        </p:txBody>
+      </p:sp>
+      <p:sp>
+        <p:nvSpPr>
+          <p:cNvPr id="13" name="右箭头 12"/>
+          <p:cNvSpPr/>
+          <p:nvPr/>
+        </p:nvSpPr>
+        <p:spPr>
+          <a:xfrm>
+            <a:off x="4886325" y="1251585"/>
+            <a:ext cx="337820" cy="253365"/>
+          </a:xfrm>
+          <a:prstGeom prst="rightArrow">
+            <a:avLst/>
+          </a:prstGeom>
+          <a:solidFill>
+            <a:schemeClr val="bg1"/>
+          </a:solidFill>
+          <a:ln>
+            <a:solidFill>
+              <a:schemeClr val="tx1"/>
+            </a:solidFill>
+          </a:ln>
+        </p:spPr>
+        <p:style>
+          <a:lnRef idx="2">
+            <a:schemeClr val="accent1">
+              <a:shade val="50000"/>
+            </a:schemeClr>
+          </a:lnRef>
+          <a:fillRef idx="1">
+            <a:schemeClr val="accent1"/>
+          </a:fillRef>
+          <a:effectRef idx="0">
+            <a:schemeClr val="accent1"/>
+          </a:effectRef>
+          <a:fontRef idx="minor">
+            <a:schemeClr val="lt1"/>
+          </a:fontRef>
+        </p:style>
+        <p:txBody>
+          <a:bodyPr rtlCol="0" anchor="ctr"/>
+          <a:p>
+            <a:pPr algn="ctr"/>
+            <a:endParaRPr lang="zh-CN" altLang="en-US"/>
+          </a:p>
+        </p:txBody>
+      </p:sp>
+      <p:sp>
+        <p:nvSpPr>
+          <p:cNvPr id="14" name="矩形 13"/>
+          <p:cNvSpPr/>
+          <p:nvPr/>
+        </p:nvSpPr>
+        <p:spPr>
+          <a:xfrm>
+            <a:off x="5433695" y="1472565"/>
+            <a:ext cx="1689735" cy="510540"/>
+          </a:xfrm>
+          <a:prstGeom prst="rect">
+            <a:avLst/>
+          </a:prstGeom>
+          <a:noFill/>
+          <a:ln>
+            <a:solidFill>
+              <a:schemeClr val="tx1"/>
+            </a:solidFill>
+          </a:ln>
+          <a:extLst>
+            <a:ext uri="{909E8E84-426E-40DD-AFC4-6F175D3DCCD1}">
+              <a14:hiddenFill xmlns:a14="http://schemas.microsoft.com/office/drawing/2010/main">
+                <a:solidFill>
+                  <a:schemeClr val="accent1"/>
+                </a:solidFill>
+              </a14:hiddenFill>
+            </a:ext>
+          </a:extLst>
+        </p:spPr>
+        <p:style>
+          <a:lnRef idx="2">
+            <a:schemeClr val="accent1">
+              <a:shade val="50000"/>
+            </a:schemeClr>
+          </a:lnRef>
+          <a:fillRef idx="1">
+            <a:schemeClr val="accent1"/>
+          </a:fillRef>
+          <a:effectRef idx="0">
+            <a:schemeClr val="accent1"/>
+          </a:effectRef>
+          <a:fontRef idx="minor">
+            <a:schemeClr val="lt1"/>
+          </a:fontRef>
+        </p:style>
+        <p:txBody>
+          <a:bodyPr rtlCol="0" anchor="ctr"/>
+          <a:p>
+            <a:pPr algn="ctr"/>
+            <a:r>
+              <a:rPr lang="en-US" altLang="zh-CN">
+                <a:solidFill>
+                  <a:schemeClr val="tx1"/>
+                </a:solidFill>
+                <a:latin typeface="微软雅黑" panose="020B0503020204020204" pitchFamily="34" charset="-122"/>
+                <a:ea typeface="微软雅黑" panose="020B0503020204020204" pitchFamily="34" charset="-122"/>
+                <a:cs typeface="微软雅黑" panose="020B0503020204020204" pitchFamily="34" charset="-122"/>
+              </a:rPr>
+              <a:t>Dojo</a:t>
+            </a:r>
+            <a:r>
+              <a:rPr lang="zh-CN" altLang="en-US">
+                <a:solidFill>
+                  <a:schemeClr val="tx1"/>
+                </a:solidFill>
+                <a:latin typeface="微软雅黑" panose="020B0503020204020204" pitchFamily="34" charset="-122"/>
+                <a:ea typeface="微软雅黑" panose="020B0503020204020204" pitchFamily="34" charset="-122"/>
+                <a:cs typeface="微软雅黑" panose="020B0503020204020204" pitchFamily="34" charset="-122"/>
+              </a:rPr>
+              <a:t>具体</a:t>
+            </a:r>
+            <a:r>
+              <a:rPr lang="zh-CN" altLang="en-US">
+                <a:solidFill>
+                  <a:schemeClr val="tx1"/>
+                </a:solidFill>
+                <a:latin typeface="微软雅黑" panose="020B0503020204020204" pitchFamily="34" charset="-122"/>
+                <a:ea typeface="微软雅黑" panose="020B0503020204020204" pitchFamily="34" charset="-122"/>
+                <a:cs typeface="微软雅黑" panose="020B0503020204020204" pitchFamily="34" charset="-122"/>
+              </a:rPr>
+              <a:t>项目</a:t>
+            </a:r>
+            <a:endParaRPr lang="zh-CN" altLang="en-US">
+              <a:solidFill>
+                <a:schemeClr val="tx1"/>
+              </a:solidFill>
+              <a:latin typeface="微软雅黑" panose="020B0503020204020204" pitchFamily="34" charset="-122"/>
+              <a:ea typeface="微软雅黑" panose="020B0503020204020204" pitchFamily="34" charset="-122"/>
+              <a:cs typeface="微软雅黑" panose="020B0503020204020204" pitchFamily="34" charset="-122"/>
+            </a:endParaRPr>
+          </a:p>
+        </p:txBody>
+      </p:sp>
+      <p:sp>
+        <p:nvSpPr>
+          <p:cNvPr id="15" name="矩形 14"/>
+          <p:cNvSpPr/>
+          <p:nvPr/>
+        </p:nvSpPr>
+        <p:spPr>
+          <a:xfrm>
+            <a:off x="5433695" y="741045"/>
+            <a:ext cx="1689735" cy="510540"/>
+          </a:xfrm>
+          <a:prstGeom prst="rect">
+            <a:avLst/>
+          </a:prstGeom>
+          <a:noFill/>
+          <a:ln>
+            <a:solidFill>
+              <a:schemeClr val="tx1"/>
+            </a:solidFill>
+          </a:ln>
+          <a:extLst>
+            <a:ext uri="{909E8E84-426E-40DD-AFC4-6F175D3DCCD1}">
+              <a14:hiddenFill xmlns:a14="http://schemas.microsoft.com/office/drawing/2010/main">
+                <a:solidFill>
+                  <a:schemeClr val="accent1"/>
+                </a:solidFill>
+              </a14:hiddenFill>
+            </a:ext>
+          </a:extLst>
+        </p:spPr>
+        <p:style>
+          <a:lnRef idx="2">
+            <a:schemeClr val="accent1">
+              <a:shade val="50000"/>
+            </a:schemeClr>
+          </a:lnRef>
+          <a:fillRef idx="1">
+            <a:schemeClr val="accent1"/>
+          </a:fillRef>
+          <a:effectRef idx="0">
+            <a:schemeClr val="accent1"/>
+          </a:effectRef>
+          <a:fontRef idx="minor">
+            <a:schemeClr val="lt1"/>
+          </a:fontRef>
+        </p:style>
+        <p:txBody>
+          <a:bodyPr rtlCol="0" anchor="ctr"/>
+          <a:p>
+            <a:pPr algn="ctr"/>
+            <a:r>
+              <a:rPr lang="en-US" altLang="zh-CN">
+                <a:solidFill>
+                  <a:schemeClr val="tx1"/>
+                </a:solidFill>
+                <a:latin typeface="微软雅黑" panose="020B0503020204020204" pitchFamily="34" charset="-122"/>
+                <a:ea typeface="微软雅黑" panose="020B0503020204020204" pitchFamily="34" charset="-122"/>
+                <a:cs typeface="微软雅黑" panose="020B0503020204020204" pitchFamily="34" charset="-122"/>
+              </a:rPr>
+              <a:t>Spring Boot</a:t>
+            </a:r>
+            <a:r>
+              <a:rPr lang="zh-CN" altLang="en-US">
+                <a:solidFill>
+                  <a:schemeClr val="tx1"/>
+                </a:solidFill>
+                <a:latin typeface="微软雅黑" panose="020B0503020204020204" pitchFamily="34" charset="-122"/>
+                <a:ea typeface="微软雅黑" panose="020B0503020204020204" pitchFamily="34" charset="-122"/>
+                <a:cs typeface="微软雅黑" panose="020B0503020204020204" pitchFamily="34" charset="-122"/>
+              </a:rPr>
+              <a:t>具体</a:t>
+            </a:r>
+            <a:r>
+              <a:rPr lang="zh-CN" altLang="en-US">
+                <a:solidFill>
+                  <a:schemeClr val="tx1"/>
+                </a:solidFill>
+                <a:latin typeface="微软雅黑" panose="020B0503020204020204" pitchFamily="34" charset="-122"/>
+                <a:ea typeface="微软雅黑" panose="020B0503020204020204" pitchFamily="34" charset="-122"/>
+                <a:cs typeface="微软雅黑" panose="020B0503020204020204" pitchFamily="34" charset="-122"/>
+              </a:rPr>
+              <a:t>项目</a:t>
+            </a:r>
+            <a:endParaRPr lang="zh-CN" altLang="en-US">
+              <a:solidFill>
+                <a:schemeClr val="tx1"/>
+              </a:solidFill>
+              <a:latin typeface="微软雅黑" panose="020B0503020204020204" pitchFamily="34" charset="-122"/>
+              <a:ea typeface="微软雅黑" panose="020B0503020204020204" pitchFamily="34" charset="-122"/>
+              <a:cs typeface="微软雅黑" panose="020B0503020204020204" pitchFamily="34" charset="-122"/>
+            </a:endParaRPr>
+          </a:p>
+        </p:txBody>
+      </p:sp>
+      <p:sp>
+        <p:nvSpPr>
+          <p:cNvPr id="16" name="右箭头 15"/>
+          <p:cNvSpPr/>
+          <p:nvPr/>
+        </p:nvSpPr>
+        <p:spPr>
+          <a:xfrm>
+            <a:off x="2301875" y="1251585"/>
+            <a:ext cx="337820" cy="253365"/>
+          </a:xfrm>
+          <a:prstGeom prst="rightArrow">
+            <a:avLst/>
+          </a:prstGeom>
+          <a:solidFill>
+            <a:schemeClr val="bg1"/>
+          </a:solidFill>
+          <a:ln>
+            <a:solidFill>
+              <a:schemeClr val="tx1"/>
+            </a:solidFill>
+          </a:ln>
+        </p:spPr>
+        <p:style>
+          <a:lnRef idx="2">
+            <a:schemeClr val="accent1">
+              <a:shade val="50000"/>
+            </a:schemeClr>
+          </a:lnRef>
+          <a:fillRef idx="1">
+            <a:schemeClr val="accent1"/>
+          </a:fillRef>
+          <a:effectRef idx="0">
+            <a:schemeClr val="accent1"/>
+          </a:effectRef>
+          <a:fontRef idx="minor">
+            <a:schemeClr val="lt1"/>
+          </a:fontRef>
+        </p:style>
+        <p:txBody>
+          <a:bodyPr rtlCol="0" anchor="ctr"/>
+          <a:p>
+            <a:pPr algn="ctr"/>
+            <a:endParaRPr lang="zh-CN" altLang="en-US"/>
+          </a:p>
+        </p:txBody>
+      </p:sp>
+      <p:sp>
+        <p:nvSpPr>
+          <p:cNvPr id="17" name="文本框 16"/>
+          <p:cNvSpPr txBox="1"/>
+          <p:nvPr/>
+        </p:nvSpPr>
+        <p:spPr>
+          <a:xfrm>
+            <a:off x="2071370" y="883285"/>
+            <a:ext cx="737870" cy="306705"/>
+          </a:xfrm>
+          <a:prstGeom prst="rect">
+            <a:avLst/>
+          </a:prstGeom>
+          <a:noFill/>
+        </p:spPr>
+        <p:txBody>
+          <a:bodyPr wrap="none" rtlCol="0">
+            <a:spAutoFit/>
+          </a:bodyPr>
+          <a:p>
+            <a:r>
+              <a:rPr lang="en-US" altLang="zh-CN" sz="1400">
+                <a:latin typeface="微软雅黑" panose="020B0503020204020204" pitchFamily="34" charset="-122"/>
+                <a:ea typeface="微软雅黑" panose="020B0503020204020204" pitchFamily="34" charset="-122"/>
+              </a:rPr>
+              <a:t>1. </a:t>
+            </a:r>
+            <a:r>
+              <a:rPr lang="zh-CN" altLang="en-US" sz="1400">
+                <a:latin typeface="微软雅黑" panose="020B0503020204020204" pitchFamily="34" charset="-122"/>
+                <a:ea typeface="微软雅黑" panose="020B0503020204020204" pitchFamily="34" charset="-122"/>
+              </a:rPr>
+              <a:t>同步</a:t>
+            </a:r>
+            <a:endParaRPr lang="zh-CN" altLang="en-US" sz="1400">
+              <a:latin typeface="微软雅黑" panose="020B0503020204020204" pitchFamily="34" charset="-122"/>
+              <a:ea typeface="微软雅黑" panose="020B0503020204020204" pitchFamily="34" charset="-122"/>
+            </a:endParaRPr>
+          </a:p>
+        </p:txBody>
+      </p:sp>
+      <p:sp>
+        <p:nvSpPr>
+          <p:cNvPr id="18" name="文本框 17"/>
+          <p:cNvSpPr txBox="1"/>
+          <p:nvPr/>
+        </p:nvSpPr>
+        <p:spPr>
+          <a:xfrm>
+            <a:off x="4542155" y="883285"/>
+            <a:ext cx="737870" cy="306705"/>
+          </a:xfrm>
+          <a:prstGeom prst="rect">
+            <a:avLst/>
+          </a:prstGeom>
+          <a:noFill/>
+        </p:spPr>
+        <p:txBody>
+          <a:bodyPr wrap="none" rtlCol="0">
+            <a:spAutoFit/>
+          </a:bodyPr>
+          <a:p>
+            <a:r>
+              <a:rPr lang="en-US" altLang="zh-CN" sz="1400">
+                <a:latin typeface="微软雅黑" panose="020B0503020204020204" pitchFamily="34" charset="-122"/>
+                <a:ea typeface="微软雅黑" panose="020B0503020204020204" pitchFamily="34" charset="-122"/>
+              </a:rPr>
+              <a:t>2. </a:t>
+            </a:r>
+            <a:r>
+              <a:rPr lang="zh-CN" altLang="en-US" sz="1400">
+                <a:latin typeface="微软雅黑" panose="020B0503020204020204" pitchFamily="34" charset="-122"/>
+                <a:ea typeface="微软雅黑" panose="020B0503020204020204" pitchFamily="34" charset="-122"/>
+              </a:rPr>
+              <a:t>复制</a:t>
+            </a:r>
+            <a:endParaRPr lang="zh-CN" altLang="en-US" sz="1400">
+              <a:latin typeface="微软雅黑" panose="020B0503020204020204" pitchFamily="34" charset="-122"/>
+              <a:ea typeface="微软雅黑" panose="020B0503020204020204" pitchFamily="34" charset="-122"/>
+            </a:endParaRPr>
+          </a:p>
+        </p:txBody>
+      </p:sp>
+      <p:sp>
+        <p:nvSpPr>
+          <p:cNvPr id="23" name="矩形 22"/>
+          <p:cNvSpPr/>
+          <p:nvPr/>
+        </p:nvSpPr>
+        <p:spPr>
+          <a:xfrm>
+            <a:off x="7723505" y="1488440"/>
+            <a:ext cx="1877695" cy="510540"/>
+          </a:xfrm>
+          <a:prstGeom prst="rect">
+            <a:avLst/>
+          </a:prstGeom>
+          <a:noFill/>
+          <a:ln>
+            <a:solidFill>
+              <a:schemeClr val="tx1"/>
+            </a:solidFill>
+          </a:ln>
+          <a:extLst>
+            <a:ext uri="{909E8E84-426E-40DD-AFC4-6F175D3DCCD1}">
+              <a14:hiddenFill xmlns:a14="http://schemas.microsoft.com/office/drawing/2010/main">
+                <a:solidFill>
+                  <a:schemeClr val="accent1"/>
+                </a:solidFill>
+              </a14:hiddenFill>
+            </a:ext>
+          </a:extLst>
+        </p:spPr>
+        <p:style>
+          <a:lnRef idx="2">
+            <a:schemeClr val="accent1">
+              <a:shade val="50000"/>
+            </a:schemeClr>
+          </a:lnRef>
+          <a:fillRef idx="1">
+            <a:schemeClr val="accent1"/>
+          </a:fillRef>
+          <a:effectRef idx="0">
+            <a:schemeClr val="accent1"/>
+          </a:effectRef>
+          <a:fontRef idx="minor">
+            <a:schemeClr val="lt1"/>
+          </a:fontRef>
+        </p:style>
+        <p:txBody>
+          <a:bodyPr rtlCol="0" anchor="ctr"/>
+          <a:p>
+            <a:pPr algn="ctr"/>
+            <a:r>
+              <a:rPr lang="en-US" altLang="zh-CN">
+                <a:solidFill>
+                  <a:schemeClr val="tx1"/>
+                </a:solidFill>
+                <a:latin typeface="微软雅黑" panose="020B0503020204020204" pitchFamily="34" charset="-122"/>
+                <a:ea typeface="微软雅黑" panose="020B0503020204020204" pitchFamily="34" charset="-122"/>
+                <a:cs typeface="微软雅黑" panose="020B0503020204020204" pitchFamily="34" charset="-122"/>
+              </a:rPr>
+              <a:t>Dojo</a:t>
+            </a:r>
+            <a:r>
+              <a:rPr lang="zh-CN" altLang="en-US">
+                <a:solidFill>
+                  <a:schemeClr val="tx1"/>
+                </a:solidFill>
+                <a:latin typeface="微软雅黑" panose="020B0503020204020204" pitchFamily="34" charset="-122"/>
+                <a:ea typeface="微软雅黑" panose="020B0503020204020204" pitchFamily="34" charset="-122"/>
+                <a:cs typeface="微软雅黑" panose="020B0503020204020204" pitchFamily="34" charset="-122"/>
+              </a:rPr>
+              <a:t>项目发布版</a:t>
+            </a:r>
+            <a:endParaRPr lang="zh-CN" altLang="en-US">
+              <a:solidFill>
+                <a:schemeClr val="tx1"/>
+              </a:solidFill>
+              <a:latin typeface="微软雅黑" panose="020B0503020204020204" pitchFamily="34" charset="-122"/>
+              <a:ea typeface="微软雅黑" panose="020B0503020204020204" pitchFamily="34" charset="-122"/>
+              <a:cs typeface="微软雅黑" panose="020B0503020204020204" pitchFamily="34" charset="-122"/>
+            </a:endParaRPr>
+          </a:p>
+        </p:txBody>
+      </p:sp>
+      <p:sp>
+        <p:nvSpPr>
+          <p:cNvPr id="24" name="右箭头 23"/>
+          <p:cNvSpPr/>
+          <p:nvPr/>
+        </p:nvSpPr>
+        <p:spPr>
+          <a:xfrm>
+            <a:off x="7271385" y="1591310"/>
+            <a:ext cx="337820" cy="253365"/>
+          </a:xfrm>
+          <a:prstGeom prst="rightArrow">
+            <a:avLst/>
+          </a:prstGeom>
+          <a:solidFill>
+            <a:schemeClr val="bg1"/>
+          </a:solidFill>
+          <a:ln>
+            <a:solidFill>
+              <a:schemeClr val="tx1"/>
+            </a:solidFill>
+          </a:ln>
+        </p:spPr>
+        <p:style>
+          <a:lnRef idx="2">
+            <a:schemeClr val="accent1">
+              <a:shade val="50000"/>
+            </a:schemeClr>
+          </a:lnRef>
+          <a:fillRef idx="1">
+            <a:schemeClr val="accent1"/>
+          </a:fillRef>
+          <a:effectRef idx="0">
+            <a:schemeClr val="accent1"/>
+          </a:effectRef>
+          <a:fontRef idx="minor">
+            <a:schemeClr val="lt1"/>
+          </a:fontRef>
+        </p:style>
+        <p:txBody>
+          <a:bodyPr rtlCol="0" anchor="ctr"/>
+          <a:p>
+            <a:pPr algn="ctr"/>
+            <a:endParaRPr lang="zh-CN" altLang="en-US"/>
+          </a:p>
+        </p:txBody>
+      </p:sp>
+      <p:sp>
+        <p:nvSpPr>
+          <p:cNvPr id="25" name="文本框 24"/>
+          <p:cNvSpPr txBox="1"/>
+          <p:nvPr/>
+        </p:nvSpPr>
+        <p:spPr>
+          <a:xfrm>
+            <a:off x="7044055" y="1820545"/>
+            <a:ext cx="737870" cy="306705"/>
+          </a:xfrm>
+          <a:prstGeom prst="rect">
+            <a:avLst/>
+          </a:prstGeom>
+          <a:noFill/>
+        </p:spPr>
+        <p:txBody>
+          <a:bodyPr wrap="none" rtlCol="0">
+            <a:spAutoFit/>
+          </a:bodyPr>
+          <a:p>
+            <a:r>
+              <a:rPr lang="en-US" altLang="zh-CN" sz="1400">
+                <a:latin typeface="微软雅黑" panose="020B0503020204020204" pitchFamily="34" charset="-122"/>
+                <a:ea typeface="微软雅黑" panose="020B0503020204020204" pitchFamily="34" charset="-122"/>
+              </a:rPr>
+              <a:t>4. </a:t>
+            </a:r>
+            <a:r>
+              <a:rPr lang="zh-CN" altLang="en-US" sz="1400">
+                <a:latin typeface="微软雅黑" panose="020B0503020204020204" pitchFamily="34" charset="-122"/>
+                <a:ea typeface="微软雅黑" panose="020B0503020204020204" pitchFamily="34" charset="-122"/>
+              </a:rPr>
+              <a:t>构建</a:t>
+            </a:r>
+            <a:endParaRPr lang="zh-CN" altLang="en-US" sz="1400">
+              <a:latin typeface="微软雅黑" panose="020B0503020204020204" pitchFamily="34" charset="-122"/>
+              <a:ea typeface="微软雅黑" panose="020B0503020204020204" pitchFamily="34" charset="-122"/>
+            </a:endParaRPr>
+          </a:p>
+        </p:txBody>
+      </p:sp>
+      <p:sp>
+        <p:nvSpPr>
+          <p:cNvPr id="26" name="直角上箭头 25"/>
+          <p:cNvSpPr/>
+          <p:nvPr/>
+        </p:nvSpPr>
+        <p:spPr>
+          <a:xfrm rot="16200000">
+            <a:off x="7316470" y="864870"/>
+            <a:ext cx="414020" cy="681990"/>
+          </a:xfrm>
+          <a:prstGeom prst="bentUpArrow">
+            <a:avLst/>
+          </a:prstGeom>
+          <a:noFill/>
+          <a:ln>
+            <a:solidFill>
+              <a:schemeClr val="tx1"/>
+            </a:solidFill>
+          </a:ln>
+          <a:extLst>
+            <a:ext uri="{909E8E84-426E-40DD-AFC4-6F175D3DCCD1}">
+              <a14:hiddenFill xmlns:a14="http://schemas.microsoft.com/office/drawing/2010/main">
+                <a:solidFill>
+                  <a:schemeClr val="accent1"/>
+                </a:solidFill>
+              </a14:hiddenFill>
+            </a:ext>
+          </a:extLst>
+        </p:spPr>
+        <p:style>
+          <a:lnRef idx="2">
+            <a:schemeClr val="accent1">
+              <a:shade val="50000"/>
+            </a:schemeClr>
+          </a:lnRef>
+          <a:fillRef idx="1">
+            <a:schemeClr val="accent1"/>
+          </a:fillRef>
+          <a:effectRef idx="0">
+            <a:schemeClr val="accent1"/>
+          </a:effectRef>
+          <a:fontRef idx="minor">
+            <a:schemeClr val="lt1"/>
+          </a:fontRef>
+        </p:style>
+        <p:txBody>
+          <a:bodyPr rtlCol="0" anchor="ctr"/>
+          <a:p>
+            <a:pPr algn="ctr"/>
+            <a:endParaRPr lang="zh-CN" altLang="en-US"/>
+          </a:p>
+        </p:txBody>
+      </p:sp>
+      <p:sp>
+        <p:nvSpPr>
+          <p:cNvPr id="27" name="文本框 26"/>
+          <p:cNvSpPr txBox="1"/>
+          <p:nvPr/>
+        </p:nvSpPr>
+        <p:spPr>
+          <a:xfrm>
+            <a:off x="7864475" y="1165860"/>
+            <a:ext cx="737870" cy="306705"/>
+          </a:xfrm>
+          <a:prstGeom prst="rect">
+            <a:avLst/>
+          </a:prstGeom>
+          <a:noFill/>
+        </p:spPr>
+        <p:txBody>
+          <a:bodyPr wrap="none" rtlCol="0">
+            <a:spAutoFit/>
+          </a:bodyPr>
+          <a:p>
+            <a:r>
+              <a:rPr lang="en-US" altLang="zh-CN" sz="1400">
+                <a:latin typeface="微软雅黑" panose="020B0503020204020204" pitchFamily="34" charset="-122"/>
+                <a:ea typeface="微软雅黑" panose="020B0503020204020204" pitchFamily="34" charset="-122"/>
+              </a:rPr>
+              <a:t>5. </a:t>
+            </a:r>
+            <a:r>
+              <a:rPr lang="zh-CN" altLang="en-US" sz="1400">
+                <a:latin typeface="微软雅黑" panose="020B0503020204020204" pitchFamily="34" charset="-122"/>
+                <a:ea typeface="微软雅黑" panose="020B0503020204020204" pitchFamily="34" charset="-122"/>
+              </a:rPr>
+              <a:t>合并</a:t>
+            </a:r>
+            <a:endParaRPr lang="zh-CN" altLang="en-US" sz="1400">
+              <a:latin typeface="微软雅黑" panose="020B0503020204020204" pitchFamily="34" charset="-122"/>
+              <a:ea typeface="微软雅黑" panose="020B0503020204020204" pitchFamily="34" charset="-122"/>
+            </a:endParaRPr>
+          </a:p>
+        </p:txBody>
+      </p:sp>
+      <p:sp>
+        <p:nvSpPr>
+          <p:cNvPr id="28" name="矩形 27"/>
+          <p:cNvSpPr/>
+          <p:nvPr/>
+        </p:nvSpPr>
+        <p:spPr>
+          <a:xfrm>
+            <a:off x="9805670" y="741045"/>
+            <a:ext cx="1547495" cy="510540"/>
+          </a:xfrm>
+          <a:prstGeom prst="rect">
+            <a:avLst/>
+          </a:prstGeom>
+          <a:noFill/>
+          <a:ln>
+            <a:solidFill>
+              <a:schemeClr val="tx1"/>
+            </a:solidFill>
+          </a:ln>
+          <a:extLst>
+            <a:ext uri="{909E8E84-426E-40DD-AFC4-6F175D3DCCD1}">
+              <a14:hiddenFill xmlns:a14="http://schemas.microsoft.com/office/drawing/2010/main">
+                <a:solidFill>
+                  <a:schemeClr val="accent1"/>
+                </a:solidFill>
+              </a14:hiddenFill>
+            </a:ext>
+          </a:extLst>
+        </p:spPr>
+        <p:style>
+          <a:lnRef idx="2">
+            <a:schemeClr val="accent1">
+              <a:shade val="50000"/>
+            </a:schemeClr>
+          </a:lnRef>
+          <a:fillRef idx="1">
+            <a:schemeClr val="accent1"/>
+          </a:fillRef>
+          <a:effectRef idx="0">
+            <a:schemeClr val="accent1"/>
+          </a:effectRef>
+          <a:fontRef idx="minor">
+            <a:schemeClr val="lt1"/>
+          </a:fontRef>
+        </p:style>
+        <p:txBody>
+          <a:bodyPr rtlCol="0" anchor="ctr"/>
+          <a:p>
+            <a:pPr algn="ctr"/>
+            <a:r>
+              <a:rPr lang="en-US" altLang="zh-CN">
+                <a:solidFill>
+                  <a:schemeClr val="tx1"/>
+                </a:solidFill>
+                <a:latin typeface="微软雅黑" panose="020B0503020204020204" pitchFamily="34" charset="-122"/>
+                <a:ea typeface="微软雅黑" panose="020B0503020204020204" pitchFamily="34" charset="-122"/>
+                <a:cs typeface="微软雅黑" panose="020B0503020204020204" pitchFamily="34" charset="-122"/>
+              </a:rPr>
+              <a:t>Jar</a:t>
+            </a:r>
+            <a:endParaRPr lang="en-US" altLang="zh-CN">
+              <a:solidFill>
+                <a:schemeClr val="tx1"/>
+              </a:solidFill>
+              <a:latin typeface="微软雅黑" panose="020B0503020204020204" pitchFamily="34" charset="-122"/>
+              <a:ea typeface="微软雅黑" panose="020B0503020204020204" pitchFamily="34" charset="-122"/>
+              <a:cs typeface="微软雅黑" panose="020B0503020204020204" pitchFamily="34" charset="-122"/>
+            </a:endParaRPr>
+          </a:p>
+        </p:txBody>
+      </p:sp>
+      <p:sp>
+        <p:nvSpPr>
+          <p:cNvPr id="29" name="右箭头 28"/>
+          <p:cNvSpPr/>
+          <p:nvPr/>
+        </p:nvSpPr>
+        <p:spPr>
+          <a:xfrm>
+            <a:off x="7182485" y="745490"/>
+            <a:ext cx="2450465" cy="253365"/>
+          </a:xfrm>
+          <a:prstGeom prst="rightArrow">
+            <a:avLst/>
+          </a:prstGeom>
+          <a:solidFill>
+            <a:schemeClr val="bg1"/>
+          </a:solidFill>
+          <a:ln>
+            <a:solidFill>
+              <a:schemeClr val="tx1"/>
+            </a:solidFill>
+          </a:ln>
+        </p:spPr>
+        <p:style>
+          <a:lnRef idx="2">
+            <a:schemeClr val="accent1">
+              <a:shade val="50000"/>
+            </a:schemeClr>
+          </a:lnRef>
+          <a:fillRef idx="1">
+            <a:schemeClr val="accent1"/>
+          </a:fillRef>
+          <a:effectRef idx="0">
+            <a:schemeClr val="accent1"/>
+          </a:effectRef>
+          <a:fontRef idx="minor">
+            <a:schemeClr val="lt1"/>
+          </a:fontRef>
+        </p:style>
+        <p:txBody>
+          <a:bodyPr rtlCol="0" anchor="ctr"/>
+          <a:p>
+            <a:pPr algn="ctr"/>
+            <a:endParaRPr lang="zh-CN" altLang="en-US"/>
+          </a:p>
+        </p:txBody>
+      </p:sp>
+      <p:sp>
+        <p:nvSpPr>
+          <p:cNvPr id="30" name="文本框 29"/>
+          <p:cNvSpPr txBox="1"/>
+          <p:nvPr/>
+        </p:nvSpPr>
+        <p:spPr>
+          <a:xfrm>
+            <a:off x="8602345" y="896620"/>
+            <a:ext cx="737870" cy="306705"/>
+          </a:xfrm>
+          <a:prstGeom prst="rect">
+            <a:avLst/>
+          </a:prstGeom>
+          <a:noFill/>
+        </p:spPr>
+        <p:txBody>
+          <a:bodyPr wrap="none" rtlCol="0">
+            <a:spAutoFit/>
+          </a:bodyPr>
+          <a:p>
+            <a:r>
+              <a:rPr lang="en-US" altLang="zh-CN" sz="1400">
+                <a:latin typeface="微软雅黑" panose="020B0503020204020204" pitchFamily="34" charset="-122"/>
+                <a:ea typeface="微软雅黑" panose="020B0503020204020204" pitchFamily="34" charset="-122"/>
+              </a:rPr>
+              <a:t>6. </a:t>
+            </a:r>
+            <a:r>
+              <a:rPr lang="zh-CN" altLang="en-US" sz="1400">
+                <a:latin typeface="微软雅黑" panose="020B0503020204020204" pitchFamily="34" charset="-122"/>
+                <a:ea typeface="微软雅黑" panose="020B0503020204020204" pitchFamily="34" charset="-122"/>
+              </a:rPr>
+              <a:t>构建</a:t>
+            </a:r>
+            <a:endParaRPr lang="zh-CN" altLang="en-US" sz="1400">
+              <a:latin typeface="微软雅黑" panose="020B0503020204020204" pitchFamily="34" charset="-122"/>
+              <a:ea typeface="微软雅黑" panose="020B0503020204020204" pitchFamily="34" charset="-122"/>
+            </a:endParaRPr>
+          </a:p>
+        </p:txBody>
+      </p:sp>
+      <p:sp>
+        <p:nvSpPr>
+          <p:cNvPr id="31" name="文本框 30"/>
+          <p:cNvSpPr txBox="1"/>
+          <p:nvPr/>
+        </p:nvSpPr>
+        <p:spPr>
+          <a:xfrm>
+            <a:off x="4542155" y="1563370"/>
+            <a:ext cx="737870" cy="306705"/>
+          </a:xfrm>
+          <a:prstGeom prst="rect">
+            <a:avLst/>
+          </a:prstGeom>
+          <a:noFill/>
+        </p:spPr>
+        <p:txBody>
+          <a:bodyPr wrap="none" rtlCol="0">
+            <a:spAutoFit/>
+          </a:bodyPr>
+          <a:p>
+            <a:r>
+              <a:rPr lang="en-US" altLang="zh-CN" sz="1400">
+                <a:latin typeface="微软雅黑" panose="020B0503020204020204" pitchFamily="34" charset="-122"/>
+                <a:ea typeface="微软雅黑" panose="020B0503020204020204" pitchFamily="34" charset="-122"/>
+              </a:rPr>
+              <a:t>3. </a:t>
+            </a:r>
+            <a:r>
+              <a:rPr lang="zh-CN" altLang="en-US" sz="1400">
+                <a:latin typeface="微软雅黑" panose="020B0503020204020204" pitchFamily="34" charset="-122"/>
+                <a:ea typeface="微软雅黑" panose="020B0503020204020204" pitchFamily="34" charset="-122"/>
+              </a:rPr>
+              <a:t>配置</a:t>
+            </a:r>
+            <a:endParaRPr lang="zh-CN" altLang="en-US" sz="1400">
+              <a:latin typeface="微软雅黑" panose="020B0503020204020204" pitchFamily="34" charset="-122"/>
+              <a:ea typeface="微软雅黑" panose="020B0503020204020204" pitchFamily="34" charset="-122"/>
+            </a:endParaRPr>
+          </a:p>
+        </p:txBody>
+      </p:sp>
+      <p:sp>
+        <p:nvSpPr>
+          <p:cNvPr id="32" name="文本框 31"/>
+          <p:cNvSpPr txBox="1"/>
+          <p:nvPr/>
+        </p:nvSpPr>
+        <p:spPr>
+          <a:xfrm>
+            <a:off x="4665345" y="2927350"/>
+            <a:ext cx="2861310" cy="368300"/>
+          </a:xfrm>
+          <a:prstGeom prst="rect">
+            <a:avLst/>
+          </a:prstGeom>
+          <a:noFill/>
+        </p:spPr>
+        <p:txBody>
+          <a:bodyPr wrap="none" rtlCol="0">
+            <a:spAutoFit/>
+          </a:bodyPr>
+          <a:p>
+            <a:pPr algn="ctr"/>
+            <a:r>
+              <a:rPr lang="en-US" altLang="zh-CN">
+                <a:latin typeface="微软雅黑" panose="020B0503020204020204" pitchFamily="34" charset="-122"/>
+                <a:ea typeface="微软雅黑" panose="020B0503020204020204" pitchFamily="34" charset="-122"/>
+                <a:cs typeface="微软雅黑" panose="020B0503020204020204" pitchFamily="34" charset="-122"/>
+              </a:rPr>
+              <a:t>Block Lang APP </a:t>
+            </a:r>
+            <a:r>
+              <a:rPr lang="zh-CN" altLang="en-US">
+                <a:latin typeface="微软雅黑" panose="020B0503020204020204" pitchFamily="34" charset="-122"/>
+                <a:ea typeface="微软雅黑" panose="020B0503020204020204" pitchFamily="34" charset="-122"/>
+                <a:cs typeface="微软雅黑" panose="020B0503020204020204" pitchFamily="34" charset="-122"/>
+              </a:rPr>
+              <a:t>构建流程</a:t>
+            </a:r>
+            <a:endParaRPr lang="zh-CN" altLang="en-US">
+              <a:latin typeface="微软雅黑" panose="020B0503020204020204" pitchFamily="34" charset="-122"/>
+              <a:ea typeface="微软雅黑" panose="020B0503020204020204" pitchFamily="34" charset="-122"/>
+              <a:cs typeface="微软雅黑" panose="020B0503020204020204" pitchFamily="34" charset="-122"/>
+            </a:endParaRPr>
+          </a:p>
+        </p:txBody>
+      </p:sp>
+    </p:spTree>
+  </p:cSld>
+  <p:clrMapOvr>
+    <a:masterClrMapping/>
+  </p:clrMapOvr>
 </p:sld>
 </file>
 
@@ -5864,7 +7231,7 @@
     </a:clrScheme>
     <a:fontScheme name="Office">
       <a:majorFont>
-        <a:latin typeface="Calibri Light" panose="020F0302020204030204"/>
+        <a:latin typeface="Calibri Light"/>
         <a:ea typeface=""/>
         <a:cs typeface=""/>
         <a:font script="Jpan" typeface="ＭＳ Ｐゴシック"/>
@@ -5899,7 +7266,7 @@
         <a:font script="Geor" typeface="Sylfaen"/>
       </a:majorFont>
       <a:minorFont>
-        <a:latin typeface="Calibri" panose="020F0502020204030204"/>
+        <a:latin typeface="Calibri"/>
         <a:ea typeface=""/>
         <a:cs typeface=""/>
         <a:font script="Jpan" typeface="ＭＳ Ｐゴシック"/>
@@ -6072,8 +7439,6 @@
       </a:bgFillStyleLst>
     </a:fmtScheme>
   </a:themeElements>
-  <a:objectDefaults/>
-  <a:extraClrSchemeLst/>
   <a:extLst>
     <a:ext uri="{05A4C25C-085E-4340-85A3-A5531E510DB2}">
       <thm15:themeFamily xmlns:thm15="http://schemas.microsoft.com/office/thememl/2012/main" name="Office Theme" id="{62F939B6-93AF-4DB8-9C6B-D6C7DFDC589F}" vid="{4A3C46E8-61CC-4603-A589-7422A47A8E4A}"/>
@@ -6125,7 +7490,7 @@
     </a:clrScheme>
     <a:fontScheme name="Office">
       <a:majorFont>
-        <a:latin typeface="Calibri Light" panose="020F0302020204030204"/>
+        <a:latin typeface="Calibri Light"/>
         <a:ea typeface=""/>
         <a:cs typeface=""/>
         <a:font script="Jpan" typeface="ＭＳ Ｐゴシック"/>
@@ -6160,7 +7525,7 @@
         <a:font script="Geor" typeface="Sylfaen"/>
       </a:majorFont>
       <a:minorFont>
-        <a:latin typeface="Calibri" panose="020F0502020204030204"/>
+        <a:latin typeface="Calibri"/>
         <a:ea typeface=""/>
         <a:cs typeface=""/>
         <a:font script="Jpan" typeface="ＭＳ Ｐゴシック"/>
@@ -6333,8 +7698,6 @@
       </a:bgFillStyleLst>
     </a:fmtScheme>
   </a:themeElements>
-  <a:objectDefaults/>
-  <a:extraClrSchemeLst/>
   <a:extLst>
     <a:ext uri="{05A4C25C-085E-4340-85A3-A5531E510DB2}">
       <thm15:themeFamily xmlns:thm15="http://schemas.microsoft.com/office/thememl/2012/main" name="Office Theme" id="{62F939B6-93AF-4DB8-9C6B-D6C7DFDC589F}" vid="{4A3C46E8-61CC-4603-A589-7422A47A8E4A}"/>
